--- a/Презентация.pptx
+++ b/Презентация.pptx
@@ -5,24 +5,25 @@
     <p:sldMasterId id="2147483678" r:id="rId1"/>
   </p:sldMasterIdLst>
   <p:notesMasterIdLst>
-    <p:notesMasterId r:id="rId17"/>
+    <p:notesMasterId r:id="rId18"/>
   </p:notesMasterIdLst>
   <p:sldIdLst>
     <p:sldId id="256" r:id="rId2"/>
-    <p:sldId id="259" r:id="rId3"/>
-    <p:sldId id="260" r:id="rId4"/>
-    <p:sldId id="261" r:id="rId5"/>
-    <p:sldId id="262" r:id="rId6"/>
-    <p:sldId id="263" r:id="rId7"/>
-    <p:sldId id="264" r:id="rId8"/>
-    <p:sldId id="265" r:id="rId9"/>
-    <p:sldId id="266" r:id="rId10"/>
-    <p:sldId id="267" r:id="rId11"/>
-    <p:sldId id="268" r:id="rId12"/>
-    <p:sldId id="269" r:id="rId13"/>
-    <p:sldId id="270" r:id="rId14"/>
-    <p:sldId id="271" r:id="rId15"/>
-    <p:sldId id="273" r:id="rId16"/>
+    <p:sldId id="274" r:id="rId3"/>
+    <p:sldId id="259" r:id="rId4"/>
+    <p:sldId id="260" r:id="rId5"/>
+    <p:sldId id="261" r:id="rId6"/>
+    <p:sldId id="262" r:id="rId7"/>
+    <p:sldId id="263" r:id="rId8"/>
+    <p:sldId id="264" r:id="rId9"/>
+    <p:sldId id="265" r:id="rId10"/>
+    <p:sldId id="266" r:id="rId11"/>
+    <p:sldId id="267" r:id="rId12"/>
+    <p:sldId id="268" r:id="rId13"/>
+    <p:sldId id="269" r:id="rId14"/>
+    <p:sldId id="270" r:id="rId15"/>
+    <p:sldId id="271" r:id="rId16"/>
+    <p:sldId id="273" r:id="rId17"/>
   </p:sldIdLst>
   <p:sldSz cx="12192000" cy="6858000"/>
   <p:notesSz cx="6858000" cy="9144000"/>
@@ -211,7 +212,7 @@
           <a:p>
             <a:fld id="{EC8369E8-9AF9-4025-9C36-EE12F7B6B89A}" type="datetimeFigureOut">
               <a:rPr lang="ru-RU" smtClean="0"/>
-              <a:t>10.06.2016</a:t>
+              <a:t>14.06.2016</a:t>
             </a:fld>
             <a:endParaRPr lang="ru-RU"/>
           </a:p>
@@ -553,7 +554,7 @@
     </p:spTree>
     <p:extLst>
       <p:ext uri="{BB962C8B-B14F-4D97-AF65-F5344CB8AC3E}">
-        <p14:creationId xmlns:p14="http://schemas.microsoft.com/office/powerpoint/2010/main" val="1865841392"/>
+        <p14:creationId xmlns:p14="http://schemas.microsoft.com/office/powerpoint/2010/main" val="2350427061"/>
       </p:ext>
     </p:extLst>
   </p:cSld>
@@ -628,7 +629,7 @@
           <a:p>
             <a:fld id="{4B2E5B6A-DD70-4FC0-A22A-0864A2339DC4}" type="slidenum">
               <a:rPr lang="ru-RU" smtClean="0"/>
-              <a:t>4</a:t>
+              <a:t>3</a:t>
             </a:fld>
             <a:endParaRPr lang="ru-RU"/>
           </a:p>
@@ -637,7 +638,7 @@
     </p:spTree>
     <p:extLst>
       <p:ext uri="{BB962C8B-B14F-4D97-AF65-F5344CB8AC3E}">
-        <p14:creationId xmlns:p14="http://schemas.microsoft.com/office/powerpoint/2010/main" val="1257499868"/>
+        <p14:creationId xmlns:p14="http://schemas.microsoft.com/office/powerpoint/2010/main" val="1865841392"/>
       </p:ext>
     </p:extLst>
   </p:cSld>
@@ -712,7 +713,7 @@
           <a:p>
             <a:fld id="{4B2E5B6A-DD70-4FC0-A22A-0864A2339DC4}" type="slidenum">
               <a:rPr lang="ru-RU" smtClean="0"/>
-              <a:t>12</a:t>
+              <a:t>5</a:t>
             </a:fld>
             <a:endParaRPr lang="ru-RU"/>
           </a:p>
@@ -721,7 +722,7 @@
     </p:spTree>
     <p:extLst>
       <p:ext uri="{BB962C8B-B14F-4D97-AF65-F5344CB8AC3E}">
-        <p14:creationId xmlns:p14="http://schemas.microsoft.com/office/powerpoint/2010/main" val="1009638938"/>
+        <p14:creationId xmlns:p14="http://schemas.microsoft.com/office/powerpoint/2010/main" val="1257499868"/>
       </p:ext>
     </p:extLst>
   </p:cSld>
@@ -805,7 +806,7 @@
     </p:spTree>
     <p:extLst>
       <p:ext uri="{BB962C8B-B14F-4D97-AF65-F5344CB8AC3E}">
-        <p14:creationId xmlns:p14="http://schemas.microsoft.com/office/powerpoint/2010/main" val="1846764434"/>
+        <p14:creationId xmlns:p14="http://schemas.microsoft.com/office/powerpoint/2010/main" val="1009638938"/>
       </p:ext>
     </p:extLst>
   </p:cSld>
@@ -889,7 +890,7 @@
     </p:spTree>
     <p:extLst>
       <p:ext uri="{BB962C8B-B14F-4D97-AF65-F5344CB8AC3E}">
-        <p14:creationId xmlns:p14="http://schemas.microsoft.com/office/powerpoint/2010/main" val="1612326116"/>
+        <p14:creationId xmlns:p14="http://schemas.microsoft.com/office/powerpoint/2010/main" val="1846764434"/>
       </p:ext>
     </p:extLst>
   </p:cSld>
@@ -965,6 +966,90 @@
             <a:fld id="{4B2E5B6A-DD70-4FC0-A22A-0864A2339DC4}" type="slidenum">
               <a:rPr lang="ru-RU" smtClean="0"/>
               <a:t>15</a:t>
+            </a:fld>
+            <a:endParaRPr lang="ru-RU"/>
+          </a:p>
+        </p:txBody>
+      </p:sp>
+    </p:spTree>
+    <p:extLst>
+      <p:ext uri="{BB962C8B-B14F-4D97-AF65-F5344CB8AC3E}">
+        <p14:creationId xmlns:p14="http://schemas.microsoft.com/office/powerpoint/2010/main" val="1612326116"/>
+      </p:ext>
+    </p:extLst>
+  </p:cSld>
+  <p:clrMapOvr>
+    <a:masterClrMapping/>
+  </p:clrMapOvr>
+</p:notes>
+</file>
+
+<file path=ppt/notesSlides/notesSlide7.xml><?xml version="1.0" encoding="utf-8"?>
+<p:notes xmlns:a="http://schemas.openxmlformats.org/drawingml/2006/main" xmlns:r="http://schemas.openxmlformats.org/officeDocument/2006/relationships" xmlns:p="http://schemas.openxmlformats.org/presentationml/2006/main">
+  <p:cSld>
+    <p:spTree>
+      <p:nvGrpSpPr>
+        <p:cNvPr id="1" name=""/>
+        <p:cNvGrpSpPr/>
+        <p:nvPr/>
+      </p:nvGrpSpPr>
+      <p:grpSpPr>
+        <a:xfrm>
+          <a:off x="0" y="0"/>
+          <a:ext cx="0" cy="0"/>
+          <a:chOff x="0" y="0"/>
+          <a:chExt cx="0" cy="0"/>
+        </a:xfrm>
+      </p:grpSpPr>
+      <p:sp>
+        <p:nvSpPr>
+          <p:cNvPr id="2" name="Образ слайда 1"/>
+          <p:cNvSpPr>
+            <a:spLocks noGrp="1" noRot="1" noChangeAspect="1"/>
+          </p:cNvSpPr>
+          <p:nvPr>
+            <p:ph type="sldImg"/>
+          </p:nvPr>
+        </p:nvSpPr>
+        <p:spPr/>
+      </p:sp>
+      <p:sp>
+        <p:nvSpPr>
+          <p:cNvPr id="3" name="Заметки 2"/>
+          <p:cNvSpPr>
+            <a:spLocks noGrp="1"/>
+          </p:cNvSpPr>
+          <p:nvPr>
+            <p:ph type="body" idx="1"/>
+          </p:nvPr>
+        </p:nvSpPr>
+        <p:spPr/>
+        <p:txBody>
+          <a:bodyPr/>
+          <a:lstStyle/>
+          <a:p>
+            <a:endParaRPr lang="ru-RU" dirty="0"/>
+          </a:p>
+        </p:txBody>
+      </p:sp>
+      <p:sp>
+        <p:nvSpPr>
+          <p:cNvPr id="4" name="Номер слайда 3"/>
+          <p:cNvSpPr>
+            <a:spLocks noGrp="1"/>
+          </p:cNvSpPr>
+          <p:nvPr>
+            <p:ph type="sldNum" sz="quarter" idx="10"/>
+          </p:nvPr>
+        </p:nvSpPr>
+        <p:spPr/>
+        <p:txBody>
+          <a:bodyPr/>
+          <a:lstStyle/>
+          <a:p>
+            <a:fld id="{4B2E5B6A-DD70-4FC0-A22A-0864A2339DC4}" type="slidenum">
+              <a:rPr lang="ru-RU" smtClean="0"/>
+              <a:t>16</a:t>
             </a:fld>
             <a:endParaRPr lang="ru-RU"/>
           </a:p>
@@ -1114,7 +1199,7 @@
           <a:p>
             <a:fld id="{1430D974-4806-46BF-A71F-72139FA8AD11}" type="datetimeFigureOut">
               <a:rPr lang="ru-RU" smtClean="0"/>
-              <a:t>10.06.2016</a:t>
+              <a:t>14.06.2016</a:t>
             </a:fld>
             <a:endParaRPr lang="ru-RU"/>
           </a:p>
@@ -1284,7 +1369,7 @@
           <a:p>
             <a:fld id="{1430D974-4806-46BF-A71F-72139FA8AD11}" type="datetimeFigureOut">
               <a:rPr lang="ru-RU" smtClean="0"/>
-              <a:t>10.06.2016</a:t>
+              <a:t>14.06.2016</a:t>
             </a:fld>
             <a:endParaRPr lang="ru-RU"/>
           </a:p>
@@ -1464,7 +1549,7 @@
           <a:p>
             <a:fld id="{1430D974-4806-46BF-A71F-72139FA8AD11}" type="datetimeFigureOut">
               <a:rPr lang="ru-RU" smtClean="0"/>
-              <a:t>10.06.2016</a:t>
+              <a:t>14.06.2016</a:t>
             </a:fld>
             <a:endParaRPr lang="ru-RU"/>
           </a:p>
@@ -1634,7 +1719,7 @@
           <a:p>
             <a:fld id="{1430D974-4806-46BF-A71F-72139FA8AD11}" type="datetimeFigureOut">
               <a:rPr lang="ru-RU" smtClean="0"/>
-              <a:t>10.06.2016</a:t>
+              <a:t>14.06.2016</a:t>
             </a:fld>
             <a:endParaRPr lang="ru-RU"/>
           </a:p>
@@ -1880,7 +1965,7 @@
           <a:p>
             <a:fld id="{1430D974-4806-46BF-A71F-72139FA8AD11}" type="datetimeFigureOut">
               <a:rPr lang="ru-RU" smtClean="0"/>
-              <a:t>10.06.2016</a:t>
+              <a:t>14.06.2016</a:t>
             </a:fld>
             <a:endParaRPr lang="ru-RU"/>
           </a:p>
@@ -2112,7 +2197,7 @@
           <a:p>
             <a:fld id="{1430D974-4806-46BF-A71F-72139FA8AD11}" type="datetimeFigureOut">
               <a:rPr lang="ru-RU" smtClean="0"/>
-              <a:t>10.06.2016</a:t>
+              <a:t>14.06.2016</a:t>
             </a:fld>
             <a:endParaRPr lang="ru-RU"/>
           </a:p>
@@ -2479,7 +2564,7 @@
           <a:p>
             <a:fld id="{1430D974-4806-46BF-A71F-72139FA8AD11}" type="datetimeFigureOut">
               <a:rPr lang="ru-RU" smtClean="0"/>
-              <a:t>10.06.2016</a:t>
+              <a:t>14.06.2016</a:t>
             </a:fld>
             <a:endParaRPr lang="ru-RU"/>
           </a:p>
@@ -2597,7 +2682,7 @@
           <a:p>
             <a:fld id="{1430D974-4806-46BF-A71F-72139FA8AD11}" type="datetimeFigureOut">
               <a:rPr lang="ru-RU" smtClean="0"/>
-              <a:t>10.06.2016</a:t>
+              <a:t>14.06.2016</a:t>
             </a:fld>
             <a:endParaRPr lang="ru-RU"/>
           </a:p>
@@ -2692,7 +2777,7 @@
           <a:p>
             <a:fld id="{1430D974-4806-46BF-A71F-72139FA8AD11}" type="datetimeFigureOut">
               <a:rPr lang="ru-RU" smtClean="0"/>
-              <a:t>10.06.2016</a:t>
+              <a:t>14.06.2016</a:t>
             </a:fld>
             <a:endParaRPr lang="ru-RU"/>
           </a:p>
@@ -2969,7 +3054,7 @@
           <a:p>
             <a:fld id="{1430D974-4806-46BF-A71F-72139FA8AD11}" type="datetimeFigureOut">
               <a:rPr lang="ru-RU" smtClean="0"/>
-              <a:t>10.06.2016</a:t>
+              <a:t>14.06.2016</a:t>
             </a:fld>
             <a:endParaRPr lang="ru-RU"/>
           </a:p>
@@ -3222,7 +3307,7 @@
           <a:p>
             <a:fld id="{1430D974-4806-46BF-A71F-72139FA8AD11}" type="datetimeFigureOut">
               <a:rPr lang="ru-RU" smtClean="0"/>
-              <a:t>10.06.2016</a:t>
+              <a:t>14.06.2016</a:t>
             </a:fld>
             <a:endParaRPr lang="ru-RU"/>
           </a:p>
@@ -3435,7 +3520,7 @@
           <a:p>
             <a:fld id="{1430D974-4806-46BF-A71F-72139FA8AD11}" type="datetimeFigureOut">
               <a:rPr lang="ru-RU" smtClean="0"/>
-              <a:t>10.06.2016</a:t>
+              <a:t>14.06.2016</a:t>
             </a:fld>
             <a:endParaRPr lang="ru-RU"/>
           </a:p>
@@ -4316,14 +4401,21 @@
                 <a:latin typeface="Times New Roman" panose="02020603050405020304" pitchFamily="18" charset="0"/>
                 <a:cs typeface="Times New Roman" panose="02020603050405020304" pitchFamily="18" charset="0"/>
               </a:rPr>
-              <a:t>гр. Р</a:t>
+              <a:t>гр. </a:t>
             </a:r>
             <a:r>
               <a:rPr lang="uk-UA" altLang="ru-RU" sz="1800" dirty="0" smtClean="0">
                 <a:latin typeface="Times New Roman" panose="02020603050405020304" pitchFamily="18" charset="0"/>
                 <a:cs typeface="Times New Roman" panose="02020603050405020304" pitchFamily="18" charset="0"/>
               </a:rPr>
-              <a:t>Б-101</a:t>
+              <a:t>РБ-101</a:t>
+            </a:r>
+            <a:r>
+              <a:rPr lang="uk-UA" altLang="ru-RU" sz="1800" dirty="0">
+                <a:latin typeface="Times New Roman" panose="02020603050405020304" pitchFamily="18" charset="0"/>
+                <a:cs typeface="Times New Roman" panose="02020603050405020304" pitchFamily="18" charset="0"/>
+              </a:rPr>
+              <a:t>м</a:t>
             </a:r>
             <a:endParaRPr lang="ru-RU" altLang="ru-RU" sz="1800" dirty="0">
               <a:latin typeface="Times New Roman" panose="02020603050405020304" pitchFamily="18" charset="0"/>
@@ -4364,14 +4456,21 @@
                 <a:latin typeface="Times New Roman" panose="02020603050405020304" pitchFamily="18" charset="0"/>
                 <a:cs typeface="Times New Roman" panose="02020603050405020304" pitchFamily="18" charset="0"/>
               </a:rPr>
-              <a:t>                   	        </a:t>
+              <a:t>                   	   </a:t>
             </a:r>
             <a:r>
               <a:rPr lang="uk-UA" altLang="ru-RU" sz="1800" dirty="0" smtClean="0">
                 <a:latin typeface="Times New Roman" panose="02020603050405020304" pitchFamily="18" charset="0"/>
                 <a:cs typeface="Times New Roman" panose="02020603050405020304" pitchFamily="18" charset="0"/>
               </a:rPr>
-              <a:t>Прокопенко О.С.</a:t>
+              <a:t>Прокопенко </a:t>
+            </a:r>
+            <a:r>
+              <a:rPr lang="uk-UA" altLang="ru-RU" sz="1800" dirty="0" smtClean="0">
+                <a:latin typeface="Times New Roman" panose="02020603050405020304" pitchFamily="18" charset="0"/>
+                <a:cs typeface="Times New Roman" panose="02020603050405020304" pitchFamily="18" charset="0"/>
+              </a:rPr>
+              <a:t>О.С.</a:t>
             </a:r>
           </a:p>
           <a:p>
@@ -4414,7 +4513,7 @@
                 <a:latin typeface="Times New Roman" panose="02020603050405020304" pitchFamily="18" charset="0"/>
                 <a:cs typeface="Times New Roman" panose="02020603050405020304" pitchFamily="18" charset="0"/>
               </a:rPr>
-              <a:t>	      </a:t>
+              <a:t>	    </a:t>
             </a:r>
             <a:r>
               <a:rPr lang="uk-UA" altLang="ru-RU" sz="1800" dirty="0" smtClean="0">
@@ -4500,14 +4599,21 @@
                 <a:latin typeface="Times New Roman" panose="02020603050405020304" pitchFamily="18" charset="0"/>
                 <a:cs typeface="Times New Roman" panose="02020603050405020304" pitchFamily="18" charset="0"/>
               </a:rPr>
-              <a:t>	                  </a:t>
+              <a:t>	               </a:t>
             </a:r>
             <a:r>
               <a:rPr lang="uk-UA" altLang="ru-RU" sz="1800" dirty="0" smtClean="0">
                 <a:latin typeface="Times New Roman" panose="02020603050405020304" pitchFamily="18" charset="0"/>
                 <a:cs typeface="Times New Roman" panose="02020603050405020304" pitchFamily="18" charset="0"/>
               </a:rPr>
-              <a:t> Яковенко О.О.</a:t>
+              <a:t> Яковенко </a:t>
+            </a:r>
+            <a:r>
+              <a:rPr lang="uk-UA" altLang="ru-RU" sz="1800" dirty="0" smtClean="0">
+                <a:latin typeface="Times New Roman" panose="02020603050405020304" pitchFamily="18" charset="0"/>
+                <a:cs typeface="Times New Roman" panose="02020603050405020304" pitchFamily="18" charset="0"/>
+              </a:rPr>
+              <a:t>О.О.</a:t>
             </a:r>
             <a:endParaRPr lang="ru-RU" altLang="ru-RU" sz="1800" dirty="0">
               <a:latin typeface="Times New Roman" panose="02020603050405020304" pitchFamily="18" charset="0"/>
@@ -4797,6 +4903,327 @@
         <p:spPr>
           <a:xfrm>
             <a:off x="702644" y="1169076"/>
+            <a:ext cx="11020926" cy="707886"/>
+          </a:xfrm>
+          <a:prstGeom prst="rect">
+            <a:avLst/>
+          </a:prstGeom>
+        </p:spPr>
+        <p:txBody>
+          <a:bodyPr wrap="square">
+            <a:spAutoFit/>
+          </a:bodyPr>
+          <a:lstStyle/>
+          <a:p>
+            <a:pPr algn="just"/>
+            <a:r>
+              <a:rPr lang="en-US" sz="2000" dirty="0">
+                <a:latin typeface="Times New Roman" panose="02020603050405020304" pitchFamily="18" charset="0"/>
+                <a:ea typeface="Calibri" panose="020F0502020204030204" pitchFamily="34" charset="0"/>
+                <a:cs typeface="Times New Roman" panose="02020603050405020304" pitchFamily="18" charset="0"/>
+              </a:rPr>
+              <a:t>	</a:t>
+            </a:r>
+            <a:r>
+              <a:rPr lang="ru-RU" sz="2000" dirty="0" smtClean="0">
+                <a:latin typeface="Times New Roman" panose="02020603050405020304" pitchFamily="18" charset="0"/>
+                <a:ea typeface="Calibri" panose="020F0502020204030204" pitchFamily="34" charset="0"/>
+                <a:cs typeface="Times New Roman" panose="02020603050405020304" pitchFamily="18" charset="0"/>
+              </a:rPr>
+              <a:t>Поскольку </a:t>
+            </a:r>
+            <a:r>
+              <a:rPr lang="ru-RU" sz="2000" dirty="0">
+                <a:latin typeface="Times New Roman" panose="02020603050405020304" pitchFamily="18" charset="0"/>
+                <a:ea typeface="Calibri" panose="020F0502020204030204" pitchFamily="34" charset="0"/>
+                <a:cs typeface="Times New Roman" panose="02020603050405020304" pitchFamily="18" charset="0"/>
+              </a:rPr>
+              <a:t>генетические алгоритмы являются универсальными, то можно проверить сходимость разработанного алгоритма на решении некоторых тестовых задач. </a:t>
+            </a:r>
+            <a:endParaRPr lang="ru-RU" sz="2000" dirty="0">
+              <a:latin typeface="Times New Roman" panose="02020603050405020304" pitchFamily="18" charset="0"/>
+              <a:cs typeface="Times New Roman" panose="02020603050405020304" pitchFamily="18" charset="0"/>
+            </a:endParaRPr>
+          </a:p>
+        </p:txBody>
+      </p:sp>
+      <p:sp>
+        <p:nvSpPr>
+          <p:cNvPr id="4" name="Прямоугольник 3"/>
+          <p:cNvSpPr/>
+          <p:nvPr/>
+        </p:nvSpPr>
+        <p:spPr>
+          <a:xfrm>
+            <a:off x="2639302" y="5806531"/>
+            <a:ext cx="6284914" cy="707886"/>
+          </a:xfrm>
+          <a:prstGeom prst="rect">
+            <a:avLst/>
+          </a:prstGeom>
+        </p:spPr>
+        <p:txBody>
+          <a:bodyPr wrap="square">
+            <a:spAutoFit/>
+          </a:bodyPr>
+          <a:lstStyle/>
+          <a:p>
+            <a:pPr algn="ctr"/>
+            <a:r>
+              <a:rPr lang="ru-RU" sz="2000" dirty="0" smtClean="0">
+                <a:latin typeface="Times New Roman" panose="02020603050405020304" pitchFamily="18" charset="0"/>
+                <a:ea typeface="Calibri" panose="020F0502020204030204" pitchFamily="34" charset="0"/>
+                <a:cs typeface="Times New Roman" panose="02020603050405020304" pitchFamily="18" charset="0"/>
+              </a:rPr>
+              <a:t>Проверка </a:t>
+            </a:r>
+            <a:r>
+              <a:rPr lang="ru-RU" sz="2000" dirty="0">
+                <a:latin typeface="Times New Roman" panose="02020603050405020304" pitchFamily="18" charset="0"/>
+                <a:ea typeface="Calibri" panose="020F0502020204030204" pitchFamily="34" charset="0"/>
+                <a:cs typeface="Times New Roman" panose="02020603050405020304" pitchFamily="18" charset="0"/>
+              </a:rPr>
+              <a:t>сходимости разработанного алгоритма путём нахождения корней для </a:t>
+            </a:r>
+            <a:r>
+              <a:rPr lang="ru-RU" sz="2000" dirty="0" err="1">
+                <a:latin typeface="Times New Roman" panose="02020603050405020304" pitchFamily="18" charset="0"/>
+                <a:ea typeface="Calibri" panose="020F0502020204030204" pitchFamily="34" charset="0"/>
+                <a:cs typeface="Times New Roman" panose="02020603050405020304" pitchFamily="18" charset="0"/>
+              </a:rPr>
+              <a:t>Диофантовых</a:t>
+            </a:r>
+            <a:r>
+              <a:rPr lang="ru-RU" sz="2000" dirty="0">
+                <a:latin typeface="Times New Roman" panose="02020603050405020304" pitchFamily="18" charset="0"/>
+                <a:ea typeface="Calibri" panose="020F0502020204030204" pitchFamily="34" charset="0"/>
+                <a:cs typeface="Times New Roman" panose="02020603050405020304" pitchFamily="18" charset="0"/>
+              </a:rPr>
+              <a:t> уравнений.</a:t>
+            </a:r>
+            <a:endParaRPr lang="ru-RU" sz="2000" dirty="0">
+              <a:latin typeface="Times New Roman" panose="02020603050405020304" pitchFamily="18" charset="0"/>
+              <a:cs typeface="Times New Roman" panose="02020603050405020304" pitchFamily="18" charset="0"/>
+            </a:endParaRPr>
+          </a:p>
+        </p:txBody>
+      </p:sp>
+      <p:pic>
+        <p:nvPicPr>
+          <p:cNvPr id="7" name="Рисунок 6"/>
+          <p:cNvPicPr/>
+          <p:nvPr/>
+        </p:nvPicPr>
+        <p:blipFill>
+          <a:blip r:embed="rId2">
+            <a:extLst>
+              <a:ext uri="{28A0092B-C50C-407E-A947-70E740481C1C}">
+                <a14:useLocalDpi xmlns:a14="http://schemas.microsoft.com/office/drawing/2010/main" val="0"/>
+              </a:ext>
+            </a:extLst>
+          </a:blip>
+          <a:srcRect/>
+          <a:stretch>
+            <a:fillRect/>
+          </a:stretch>
+        </p:blipFill>
+        <p:spPr bwMode="auto">
+          <a:xfrm>
+            <a:off x="2961566" y="2042893"/>
+            <a:ext cx="5640386" cy="3576130"/>
+          </a:xfrm>
+          <a:prstGeom prst="rect">
+            <a:avLst/>
+          </a:prstGeom>
+          <a:noFill/>
+          <a:ln>
+            <a:noFill/>
+          </a:ln>
+        </p:spPr>
+      </p:pic>
+    </p:spTree>
+    <p:extLst>
+      <p:ext uri="{BB962C8B-B14F-4D97-AF65-F5344CB8AC3E}">
+        <p14:creationId xmlns:p14="http://schemas.microsoft.com/office/powerpoint/2010/main" val="176295320"/>
+      </p:ext>
+    </p:extLst>
+  </p:cSld>
+  <p:clrMapOvr>
+    <a:masterClrMapping/>
+  </p:clrMapOvr>
+  <p:timing>
+    <p:tnLst>
+      <p:par>
+        <p:cTn id="1" dur="indefinite" restart="never" nodeType="tmRoot"/>
+      </p:par>
+    </p:tnLst>
+  </p:timing>
+</p:sld>
+</file>
+
+<file path=ppt/slides/slide11.xml><?xml version="1.0" encoding="utf-8"?>
+<p:sld xmlns:a="http://schemas.openxmlformats.org/drawingml/2006/main" xmlns:r="http://schemas.openxmlformats.org/officeDocument/2006/relationships" xmlns:p="http://schemas.openxmlformats.org/presentationml/2006/main">
+  <p:cSld>
+    <p:bg>
+      <p:bgPr>
+        <a:gradFill>
+          <a:gsLst>
+            <a:gs pos="71000">
+              <a:schemeClr val="bg1"/>
+            </a:gs>
+            <a:gs pos="100000">
+              <a:srgbClr val="DCE4E7">
+                <a:lumMod val="96000"/>
+              </a:srgbClr>
+            </a:gs>
+          </a:gsLst>
+          <a:lin ang="5400000" scaled="1"/>
+        </a:gradFill>
+        <a:effectLst/>
+      </p:bgPr>
+    </p:bg>
+    <p:spTree>
+      <p:nvGrpSpPr>
+        <p:cNvPr id="1" name=""/>
+        <p:cNvGrpSpPr/>
+        <p:nvPr/>
+      </p:nvGrpSpPr>
+      <p:grpSpPr>
+        <a:xfrm>
+          <a:off x="0" y="0"/>
+          <a:ext cx="0" cy="0"/>
+          <a:chOff x="0" y="0"/>
+          <a:chExt cx="0" cy="0"/>
+        </a:xfrm>
+      </p:grpSpPr>
+      <p:sp>
+        <p:nvSpPr>
+          <p:cNvPr id="8" name="Прямоугольник 7"/>
+          <p:cNvSpPr/>
+          <p:nvPr/>
+        </p:nvSpPr>
+        <p:spPr>
+          <a:xfrm>
+            <a:off x="702644" y="295259"/>
+            <a:ext cx="11020926" cy="707886"/>
+          </a:xfrm>
+          <a:prstGeom prst="rect">
+            <a:avLst/>
+          </a:prstGeom>
+          <a:solidFill>
+            <a:srgbClr val="4E67C8"/>
+          </a:solidFill>
+          <a:effectLst>
+            <a:outerShdw blurRad="50800" dist="50800" dir="5400000" algn="ctr" rotWithShape="0">
+              <a:srgbClr val="000000">
+                <a:alpha val="0"/>
+              </a:srgbClr>
+            </a:outerShdw>
+            <a:reflection stA="0" endPos="65000" dist="50800" dir="5400000" sy="-100000" algn="bl" rotWithShape="0"/>
+            <a:softEdge rad="0"/>
+          </a:effectLst>
+          <a:scene3d>
+            <a:camera prst="orthographicFront"/>
+            <a:lightRig rig="threePt" dir="t"/>
+          </a:scene3d>
+          <a:sp3d prstMaterial="matte"/>
+        </p:spPr>
+        <p:txBody>
+          <a:bodyPr wrap="square">
+            <a:spAutoFit/>
+          </a:bodyPr>
+          <a:lstStyle/>
+          <a:p>
+            <a:pPr algn="ctr"/>
+            <a:endParaRPr lang="en-US" sz="1000" dirty="0" smtClean="0">
+              <a:solidFill>
+                <a:schemeClr val="bg1"/>
+              </a:solidFill>
+              <a:latin typeface="Times New Roman" panose="02020603050405020304" pitchFamily="18" charset="0"/>
+              <a:cs typeface="Times New Roman" panose="02020603050405020304" pitchFamily="18" charset="0"/>
+            </a:endParaRPr>
+          </a:p>
+          <a:p>
+            <a:pPr algn="ctr"/>
+            <a:r>
+              <a:rPr lang="uk-UA" sz="2000" b="1" spc="100" dirty="0" smtClean="0">
+                <a:solidFill>
+                  <a:schemeClr val="bg1"/>
+                </a:solidFill>
+                <a:latin typeface="Times New Roman" panose="02020603050405020304" pitchFamily="18" charset="0"/>
+                <a:cs typeface="Times New Roman" panose="02020603050405020304" pitchFamily="18" charset="0"/>
+              </a:rPr>
+              <a:t>ПРОВЕРКА СХОДИМОСТИ АЛГОРИТМА</a:t>
+            </a:r>
+            <a:endParaRPr lang="en-US" sz="2000" b="1" spc="100" dirty="0" smtClean="0">
+              <a:solidFill>
+                <a:schemeClr val="bg1"/>
+              </a:solidFill>
+              <a:latin typeface="Times New Roman" panose="02020603050405020304" pitchFamily="18" charset="0"/>
+              <a:cs typeface="Times New Roman" panose="02020603050405020304" pitchFamily="18" charset="0"/>
+            </a:endParaRPr>
+          </a:p>
+          <a:p>
+            <a:pPr algn="ctr"/>
+            <a:endParaRPr lang="ru-RU" sz="1000" dirty="0">
+              <a:solidFill>
+                <a:schemeClr val="bg1"/>
+              </a:solidFill>
+              <a:latin typeface="Times New Roman" panose="02020603050405020304" pitchFamily="18" charset="0"/>
+              <a:cs typeface="Times New Roman" panose="02020603050405020304" pitchFamily="18" charset="0"/>
+            </a:endParaRPr>
+          </a:p>
+        </p:txBody>
+      </p:sp>
+      <p:sp>
+        <p:nvSpPr>
+          <p:cNvPr id="10" name="Прямоугольник 9"/>
+          <p:cNvSpPr/>
+          <p:nvPr/>
+        </p:nvSpPr>
+        <p:spPr>
+          <a:xfrm>
+            <a:off x="3336758" y="5960419"/>
+            <a:ext cx="6096000" cy="400110"/>
+          </a:xfrm>
+          <a:prstGeom prst="rect">
+            <a:avLst/>
+          </a:prstGeom>
+        </p:spPr>
+        <p:txBody>
+          <a:bodyPr>
+            <a:spAutoFit/>
+          </a:bodyPr>
+          <a:lstStyle/>
+          <a:p>
+            <a:pPr algn="r">
+              <a:spcBef>
+                <a:spcPct val="0"/>
+              </a:spcBef>
+            </a:pPr>
+            <a:r>
+              <a:rPr lang="uk-UA" altLang="ru-RU" sz="2000" dirty="0">
+                <a:latin typeface="Times New Roman" panose="02020603050405020304" pitchFamily="18" charset="0"/>
+                <a:cs typeface="Times New Roman" panose="02020603050405020304" pitchFamily="18" charset="0"/>
+              </a:rPr>
+              <a:t> </a:t>
+            </a:r>
+            <a:endParaRPr lang="ru-RU" altLang="ru-RU" sz="2000" dirty="0">
+              <a:latin typeface="Times New Roman" panose="02020603050405020304" pitchFamily="18" charset="0"/>
+              <a:cs typeface="Times New Roman" panose="02020603050405020304" pitchFamily="18" charset="0"/>
+            </a:endParaRPr>
+          </a:p>
+        </p:txBody>
+      </p:sp>
+      <p:sp>
+        <p:nvSpPr>
+          <p:cNvPr id="3" name="Прямоугольник 2"/>
+          <p:cNvSpPr/>
+          <p:nvPr/>
+        </p:nvSpPr>
+        <p:spPr>
+          <a:xfrm>
+            <a:off x="702644" y="1169076"/>
             <a:ext cx="11020926" cy="400110"/>
           </a:xfrm>
           <a:prstGeom prst="rect">
@@ -5406,7 +5833,7 @@
           <a:graphicData uri="http://schemas.openxmlformats.org/presentationml/2006/ole">
             <mc:AlternateContent xmlns:mc="http://schemas.openxmlformats.org/markup-compatibility/2006">
               <mc:Choice xmlns:v="urn:schemas-microsoft-com:vml" Requires="v">
-                <p:oleObj spid="_x0000_s3136" name="Equation" r:id="rId4" imgW="1104840" imgH="533160" progId="Equation.DSMT4">
+                <p:oleObj spid="_x0000_s3158" name="Equation" r:id="rId4" imgW="1104840" imgH="533160" progId="Equation.DSMT4">
                   <p:embed/>
                 </p:oleObj>
               </mc:Choice>
@@ -5507,7 +5934,7 @@
 </p:sld>
 </file>
 
-<file path=ppt/slides/slide11.xml><?xml version="1.0" encoding="utf-8"?>
+<file path=ppt/slides/slide12.xml><?xml version="1.0" encoding="utf-8"?>
 <p:sld xmlns:a="http://schemas.openxmlformats.org/drawingml/2006/main" xmlns:r="http://schemas.openxmlformats.org/officeDocument/2006/relationships" xmlns:p="http://schemas.openxmlformats.org/presentationml/2006/main">
   <p:cSld>
     <p:bg>
@@ -5784,7 +6211,7 @@
           <a:graphicData uri="http://schemas.openxmlformats.org/presentationml/2006/ole">
             <mc:AlternateContent xmlns:mc="http://schemas.openxmlformats.org/markup-compatibility/2006">
               <mc:Choice xmlns:v="urn:schemas-microsoft-com:vml" Requires="v">
-                <p:oleObj spid="_x0000_s4211" name="Equation" r:id="rId3" imgW="1600200" imgH="583920" progId="Equation.DSMT4">
+                <p:oleObj spid="_x0000_s4255" name="Equation" r:id="rId3" imgW="1600200" imgH="583920" progId="Equation.DSMT4">
                   <p:embed/>
                 </p:oleObj>
               </mc:Choice>
@@ -5918,7 +6345,7 @@
           <a:graphicData uri="http://schemas.openxmlformats.org/presentationml/2006/ole">
             <mc:AlternateContent xmlns:mc="http://schemas.openxmlformats.org/markup-compatibility/2006">
               <mc:Choice xmlns:v="urn:schemas-microsoft-com:vml" Requires="v">
-                <p:oleObj spid="_x0000_s4212" name="Equation" r:id="rId5" imgW="1866600" imgH="482400" progId="Equation.DSMT4">
+                <p:oleObj spid="_x0000_s4256" name="Equation" r:id="rId5" imgW="1866600" imgH="482400" progId="Equation.DSMT4">
                   <p:embed/>
                 </p:oleObj>
               </mc:Choice>
@@ -7081,240 +7508,6 @@
 </p:sld>
 </file>
 
-<file path=ppt/slides/slide12.xml><?xml version="1.0" encoding="utf-8"?>
-<p:sld xmlns:a="http://schemas.openxmlformats.org/drawingml/2006/main" xmlns:r="http://schemas.openxmlformats.org/officeDocument/2006/relationships" xmlns:p="http://schemas.openxmlformats.org/presentationml/2006/main">
-  <p:cSld>
-    <p:bg>
-      <p:bgPr>
-        <a:gradFill>
-          <a:gsLst>
-            <a:gs pos="71000">
-              <a:schemeClr val="bg1"/>
-            </a:gs>
-            <a:gs pos="100000">
-              <a:srgbClr val="DCE4E7">
-                <a:lumMod val="96000"/>
-              </a:srgbClr>
-            </a:gs>
-          </a:gsLst>
-          <a:lin ang="5400000" scaled="1"/>
-        </a:gradFill>
-        <a:effectLst/>
-      </p:bgPr>
-    </p:bg>
-    <p:spTree>
-      <p:nvGrpSpPr>
-        <p:cNvPr id="1" name=""/>
-        <p:cNvGrpSpPr/>
-        <p:nvPr/>
-      </p:nvGrpSpPr>
-      <p:grpSpPr>
-        <a:xfrm>
-          <a:off x="0" y="0"/>
-          <a:ext cx="0" cy="0"/>
-          <a:chOff x="0" y="0"/>
-          <a:chExt cx="0" cy="0"/>
-        </a:xfrm>
-      </p:grpSpPr>
-      <p:sp>
-        <p:nvSpPr>
-          <p:cNvPr id="8" name="Прямоугольник 7"/>
-          <p:cNvSpPr/>
-          <p:nvPr/>
-        </p:nvSpPr>
-        <p:spPr>
-          <a:xfrm>
-            <a:off x="702644" y="295259"/>
-            <a:ext cx="11020926" cy="707886"/>
-          </a:xfrm>
-          <a:prstGeom prst="rect">
-            <a:avLst/>
-          </a:prstGeom>
-          <a:solidFill>
-            <a:srgbClr val="4E67C8"/>
-          </a:solidFill>
-          <a:effectLst>
-            <a:outerShdw blurRad="50800" dist="50800" dir="5400000" algn="ctr" rotWithShape="0">
-              <a:srgbClr val="000000">
-                <a:alpha val="0"/>
-              </a:srgbClr>
-            </a:outerShdw>
-            <a:reflection stA="0" endPos="65000" dist="50800" dir="5400000" sy="-100000" algn="bl" rotWithShape="0"/>
-            <a:softEdge rad="0"/>
-          </a:effectLst>
-          <a:scene3d>
-            <a:camera prst="orthographicFront"/>
-            <a:lightRig rig="threePt" dir="t"/>
-          </a:scene3d>
-          <a:sp3d prstMaterial="matte"/>
-        </p:spPr>
-        <p:txBody>
-          <a:bodyPr wrap="square">
-            <a:spAutoFit/>
-          </a:bodyPr>
-          <a:lstStyle/>
-          <a:p>
-            <a:pPr algn="ctr"/>
-            <a:endParaRPr lang="en-US" sz="1000" dirty="0" smtClean="0">
-              <a:solidFill>
-                <a:schemeClr val="bg1"/>
-              </a:solidFill>
-              <a:latin typeface="Times New Roman" panose="02020603050405020304" pitchFamily="18" charset="0"/>
-              <a:cs typeface="Times New Roman" panose="02020603050405020304" pitchFamily="18" charset="0"/>
-            </a:endParaRPr>
-          </a:p>
-          <a:p>
-            <a:pPr algn="ctr"/>
-            <a:r>
-              <a:rPr lang="uk-UA" sz="2000" b="1" spc="100" dirty="0" smtClean="0">
-                <a:solidFill>
-                  <a:schemeClr val="bg1"/>
-                </a:solidFill>
-                <a:latin typeface="Times New Roman" panose="02020603050405020304" pitchFamily="18" charset="0"/>
-                <a:cs typeface="Times New Roman" panose="02020603050405020304" pitchFamily="18" charset="0"/>
-              </a:rPr>
-              <a:t>РАБОТА С ПРОГРАММОЙ РАССТАНОВКИ КАМЕР</a:t>
-            </a:r>
-            <a:endParaRPr lang="en-US" sz="2000" b="1" spc="100" dirty="0" smtClean="0">
-              <a:solidFill>
-                <a:schemeClr val="bg1"/>
-              </a:solidFill>
-              <a:latin typeface="Times New Roman" panose="02020603050405020304" pitchFamily="18" charset="0"/>
-              <a:cs typeface="Times New Roman" panose="02020603050405020304" pitchFamily="18" charset="0"/>
-            </a:endParaRPr>
-          </a:p>
-          <a:p>
-            <a:pPr algn="ctr"/>
-            <a:endParaRPr lang="ru-RU" sz="1000" dirty="0">
-              <a:solidFill>
-                <a:schemeClr val="bg1"/>
-              </a:solidFill>
-              <a:latin typeface="Times New Roman" panose="02020603050405020304" pitchFamily="18" charset="0"/>
-              <a:cs typeface="Times New Roman" panose="02020603050405020304" pitchFamily="18" charset="0"/>
-            </a:endParaRPr>
-          </a:p>
-        </p:txBody>
-      </p:sp>
-      <p:sp>
-        <p:nvSpPr>
-          <p:cNvPr id="10" name="Прямоугольник 9"/>
-          <p:cNvSpPr/>
-          <p:nvPr/>
-        </p:nvSpPr>
-        <p:spPr>
-          <a:xfrm>
-            <a:off x="3336758" y="5960419"/>
-            <a:ext cx="6096000" cy="400110"/>
-          </a:xfrm>
-          <a:prstGeom prst="rect">
-            <a:avLst/>
-          </a:prstGeom>
-        </p:spPr>
-        <p:txBody>
-          <a:bodyPr>
-            <a:spAutoFit/>
-          </a:bodyPr>
-          <a:lstStyle/>
-          <a:p>
-            <a:pPr algn="r">
-              <a:spcBef>
-                <a:spcPct val="0"/>
-              </a:spcBef>
-            </a:pPr>
-            <a:r>
-              <a:rPr lang="uk-UA" altLang="ru-RU" sz="2000" dirty="0">
-                <a:latin typeface="Times New Roman" panose="02020603050405020304" pitchFamily="18" charset="0"/>
-                <a:cs typeface="Times New Roman" panose="02020603050405020304" pitchFamily="18" charset="0"/>
-              </a:rPr>
-              <a:t> </a:t>
-            </a:r>
-            <a:endParaRPr lang="ru-RU" altLang="ru-RU" sz="2000" dirty="0">
-              <a:latin typeface="Times New Roman" panose="02020603050405020304" pitchFamily="18" charset="0"/>
-              <a:cs typeface="Times New Roman" panose="02020603050405020304" pitchFamily="18" charset="0"/>
-            </a:endParaRPr>
-          </a:p>
-        </p:txBody>
-      </p:sp>
-      <p:sp>
-        <p:nvSpPr>
-          <p:cNvPr id="3" name="Прямоугольник 2"/>
-          <p:cNvSpPr/>
-          <p:nvPr/>
-        </p:nvSpPr>
-        <p:spPr>
-          <a:xfrm>
-            <a:off x="702644" y="1193601"/>
-            <a:ext cx="11020926" cy="400110"/>
-          </a:xfrm>
-          <a:prstGeom prst="rect">
-            <a:avLst/>
-          </a:prstGeom>
-        </p:spPr>
-        <p:txBody>
-          <a:bodyPr wrap="square">
-            <a:spAutoFit/>
-          </a:bodyPr>
-          <a:lstStyle/>
-          <a:p>
-            <a:pPr algn="ctr"/>
-            <a:r>
-              <a:rPr lang="ru-RU" sz="2000" dirty="0" smtClean="0">
-                <a:latin typeface="Times New Roman" panose="02020603050405020304" pitchFamily="18" charset="0"/>
-                <a:cs typeface="Times New Roman" panose="02020603050405020304" pitchFamily="18" charset="0"/>
-              </a:rPr>
-              <a:t>Первым делом необходимо загрузим план помещения в программу:</a:t>
-            </a:r>
-            <a:endParaRPr lang="ru-RU" sz="2000" dirty="0">
-              <a:latin typeface="Times New Roman" panose="02020603050405020304" pitchFamily="18" charset="0"/>
-              <a:cs typeface="Times New Roman" panose="02020603050405020304" pitchFamily="18" charset="0"/>
-            </a:endParaRPr>
-          </a:p>
-        </p:txBody>
-      </p:sp>
-      <p:pic>
-        <p:nvPicPr>
-          <p:cNvPr id="4" name="Рисунок 3"/>
-          <p:cNvPicPr>
-            <a:picLocks noChangeAspect="1"/>
-          </p:cNvPicPr>
-          <p:nvPr/>
-        </p:nvPicPr>
-        <p:blipFill>
-          <a:blip r:embed="rId3"/>
-          <a:stretch>
-            <a:fillRect/>
-          </a:stretch>
-        </p:blipFill>
-        <p:spPr>
-          <a:xfrm>
-            <a:off x="2513711" y="1784167"/>
-            <a:ext cx="7398792" cy="4873807"/>
-          </a:xfrm>
-          <a:prstGeom prst="rect">
-            <a:avLst/>
-          </a:prstGeom>
-        </p:spPr>
-      </p:pic>
-    </p:spTree>
-    <p:extLst>
-      <p:ext uri="{BB962C8B-B14F-4D97-AF65-F5344CB8AC3E}">
-        <p14:creationId xmlns:p14="http://schemas.microsoft.com/office/powerpoint/2010/main" val="4154406271"/>
-      </p:ext>
-    </p:extLst>
-  </p:cSld>
-  <p:clrMapOvr>
-    <a:masterClrMapping/>
-  </p:clrMapOvr>
-  <p:timing>
-    <p:tnLst>
-      <p:par>
-        <p:cTn id="1" dur="indefinite" restart="never" nodeType="tmRoot"/>
-      </p:par>
-    </p:tnLst>
-  </p:timing>
-</p:sld>
-</file>
-
 <file path=ppt/slides/slide13.xml><?xml version="1.0" encoding="utf-8"?>
 <p:sld xmlns:a="http://schemas.openxmlformats.org/drawingml/2006/main" xmlns:r="http://schemas.openxmlformats.org/officeDocument/2006/relationships" xmlns:p="http://schemas.openxmlformats.org/presentationml/2006/main">
   <p:cSld>
@@ -7496,7 +7689,7 @@
                 <a:latin typeface="Times New Roman" panose="02020603050405020304" pitchFamily="18" charset="0"/>
                 <a:cs typeface="Times New Roman" panose="02020603050405020304" pitchFamily="18" charset="0"/>
               </a:rPr>
-              <a:t>После этого обозначим на плане помещения стены, двери и окна:</a:t>
+              <a:t>Первым делом необходимо загрузим план помещения в программу:</a:t>
             </a:r>
             <a:endParaRPr lang="ru-RU" sz="2000" dirty="0">
               <a:latin typeface="Times New Roman" panose="02020603050405020304" pitchFamily="18" charset="0"/>
@@ -7507,7 +7700,7 @@
       </p:sp>
       <p:pic>
         <p:nvPicPr>
-          <p:cNvPr id="5" name="Рисунок 4"/>
+          <p:cNvPr id="4" name="Рисунок 3"/>
           <p:cNvPicPr>
             <a:picLocks noChangeAspect="1"/>
           </p:cNvPicPr>
@@ -7521,8 +7714,8 @@
         </p:blipFill>
         <p:spPr>
           <a:xfrm>
-            <a:off x="2690822" y="1784167"/>
-            <a:ext cx="7252682" cy="4754457"/>
+            <a:off x="2513711" y="1784167"/>
+            <a:ext cx="7398792" cy="4873807"/>
           </a:xfrm>
           <a:prstGeom prst="rect">
             <a:avLst/>
@@ -7532,7 +7725,7 @@
     </p:spTree>
     <p:extLst>
       <p:ext uri="{BB962C8B-B14F-4D97-AF65-F5344CB8AC3E}">
-        <p14:creationId xmlns:p14="http://schemas.microsoft.com/office/powerpoint/2010/main" val="700687319"/>
+        <p14:creationId xmlns:p14="http://schemas.microsoft.com/office/powerpoint/2010/main" val="4154406271"/>
       </p:ext>
     </p:extLst>
   </p:cSld>
@@ -7730,6 +7923,240 @@
                 <a:latin typeface="Times New Roman" panose="02020603050405020304" pitchFamily="18" charset="0"/>
                 <a:cs typeface="Times New Roman" panose="02020603050405020304" pitchFamily="18" charset="0"/>
               </a:rPr>
+              <a:t>После этого обозначим на плане помещения стены, двери и окна:</a:t>
+            </a:r>
+            <a:endParaRPr lang="ru-RU" sz="2000" dirty="0">
+              <a:latin typeface="Times New Roman" panose="02020603050405020304" pitchFamily="18" charset="0"/>
+              <a:cs typeface="Times New Roman" panose="02020603050405020304" pitchFamily="18" charset="0"/>
+            </a:endParaRPr>
+          </a:p>
+        </p:txBody>
+      </p:sp>
+      <p:pic>
+        <p:nvPicPr>
+          <p:cNvPr id="5" name="Рисунок 4"/>
+          <p:cNvPicPr>
+            <a:picLocks noChangeAspect="1"/>
+          </p:cNvPicPr>
+          <p:nvPr/>
+        </p:nvPicPr>
+        <p:blipFill>
+          <a:blip r:embed="rId3"/>
+          <a:stretch>
+            <a:fillRect/>
+          </a:stretch>
+        </p:blipFill>
+        <p:spPr>
+          <a:xfrm>
+            <a:off x="2690822" y="1784167"/>
+            <a:ext cx="7252682" cy="4754457"/>
+          </a:xfrm>
+          <a:prstGeom prst="rect">
+            <a:avLst/>
+          </a:prstGeom>
+        </p:spPr>
+      </p:pic>
+    </p:spTree>
+    <p:extLst>
+      <p:ext uri="{BB962C8B-B14F-4D97-AF65-F5344CB8AC3E}">
+        <p14:creationId xmlns:p14="http://schemas.microsoft.com/office/powerpoint/2010/main" val="700687319"/>
+      </p:ext>
+    </p:extLst>
+  </p:cSld>
+  <p:clrMapOvr>
+    <a:masterClrMapping/>
+  </p:clrMapOvr>
+  <p:timing>
+    <p:tnLst>
+      <p:par>
+        <p:cTn id="1" dur="indefinite" restart="never" nodeType="tmRoot"/>
+      </p:par>
+    </p:tnLst>
+  </p:timing>
+</p:sld>
+</file>
+
+<file path=ppt/slides/slide15.xml><?xml version="1.0" encoding="utf-8"?>
+<p:sld xmlns:a="http://schemas.openxmlformats.org/drawingml/2006/main" xmlns:r="http://schemas.openxmlformats.org/officeDocument/2006/relationships" xmlns:p="http://schemas.openxmlformats.org/presentationml/2006/main">
+  <p:cSld>
+    <p:bg>
+      <p:bgPr>
+        <a:gradFill>
+          <a:gsLst>
+            <a:gs pos="71000">
+              <a:schemeClr val="bg1"/>
+            </a:gs>
+            <a:gs pos="100000">
+              <a:srgbClr val="DCE4E7">
+                <a:lumMod val="96000"/>
+              </a:srgbClr>
+            </a:gs>
+          </a:gsLst>
+          <a:lin ang="5400000" scaled="1"/>
+        </a:gradFill>
+        <a:effectLst/>
+      </p:bgPr>
+    </p:bg>
+    <p:spTree>
+      <p:nvGrpSpPr>
+        <p:cNvPr id="1" name=""/>
+        <p:cNvGrpSpPr/>
+        <p:nvPr/>
+      </p:nvGrpSpPr>
+      <p:grpSpPr>
+        <a:xfrm>
+          <a:off x="0" y="0"/>
+          <a:ext cx="0" cy="0"/>
+          <a:chOff x="0" y="0"/>
+          <a:chExt cx="0" cy="0"/>
+        </a:xfrm>
+      </p:grpSpPr>
+      <p:sp>
+        <p:nvSpPr>
+          <p:cNvPr id="8" name="Прямоугольник 7"/>
+          <p:cNvSpPr/>
+          <p:nvPr/>
+        </p:nvSpPr>
+        <p:spPr>
+          <a:xfrm>
+            <a:off x="702644" y="295259"/>
+            <a:ext cx="11020926" cy="707886"/>
+          </a:xfrm>
+          <a:prstGeom prst="rect">
+            <a:avLst/>
+          </a:prstGeom>
+          <a:solidFill>
+            <a:srgbClr val="4E67C8"/>
+          </a:solidFill>
+          <a:effectLst>
+            <a:outerShdw blurRad="50800" dist="50800" dir="5400000" algn="ctr" rotWithShape="0">
+              <a:srgbClr val="000000">
+                <a:alpha val="0"/>
+              </a:srgbClr>
+            </a:outerShdw>
+            <a:reflection stA="0" endPos="65000" dist="50800" dir="5400000" sy="-100000" algn="bl" rotWithShape="0"/>
+            <a:softEdge rad="0"/>
+          </a:effectLst>
+          <a:scene3d>
+            <a:camera prst="orthographicFront"/>
+            <a:lightRig rig="threePt" dir="t"/>
+          </a:scene3d>
+          <a:sp3d prstMaterial="matte"/>
+        </p:spPr>
+        <p:txBody>
+          <a:bodyPr wrap="square">
+            <a:spAutoFit/>
+          </a:bodyPr>
+          <a:lstStyle/>
+          <a:p>
+            <a:pPr algn="ctr"/>
+            <a:endParaRPr lang="en-US" sz="1000" dirty="0" smtClean="0">
+              <a:solidFill>
+                <a:schemeClr val="bg1"/>
+              </a:solidFill>
+              <a:latin typeface="Times New Roman" panose="02020603050405020304" pitchFamily="18" charset="0"/>
+              <a:cs typeface="Times New Roman" panose="02020603050405020304" pitchFamily="18" charset="0"/>
+            </a:endParaRPr>
+          </a:p>
+          <a:p>
+            <a:pPr algn="ctr"/>
+            <a:r>
+              <a:rPr lang="uk-UA" sz="2000" b="1" spc="100" dirty="0" smtClean="0">
+                <a:solidFill>
+                  <a:schemeClr val="bg1"/>
+                </a:solidFill>
+                <a:latin typeface="Times New Roman" panose="02020603050405020304" pitchFamily="18" charset="0"/>
+                <a:cs typeface="Times New Roman" panose="02020603050405020304" pitchFamily="18" charset="0"/>
+              </a:rPr>
+              <a:t>РАБОТА С ПРОГРАММОЙ РАССТАНОВКИ КАМЕР</a:t>
+            </a:r>
+            <a:endParaRPr lang="en-US" sz="2000" b="1" spc="100" dirty="0" smtClean="0">
+              <a:solidFill>
+                <a:schemeClr val="bg1"/>
+              </a:solidFill>
+              <a:latin typeface="Times New Roman" panose="02020603050405020304" pitchFamily="18" charset="0"/>
+              <a:cs typeface="Times New Roman" panose="02020603050405020304" pitchFamily="18" charset="0"/>
+            </a:endParaRPr>
+          </a:p>
+          <a:p>
+            <a:pPr algn="ctr"/>
+            <a:endParaRPr lang="ru-RU" sz="1000" dirty="0">
+              <a:solidFill>
+                <a:schemeClr val="bg1"/>
+              </a:solidFill>
+              <a:latin typeface="Times New Roman" panose="02020603050405020304" pitchFamily="18" charset="0"/>
+              <a:cs typeface="Times New Roman" panose="02020603050405020304" pitchFamily="18" charset="0"/>
+            </a:endParaRPr>
+          </a:p>
+        </p:txBody>
+      </p:sp>
+      <p:sp>
+        <p:nvSpPr>
+          <p:cNvPr id="10" name="Прямоугольник 9"/>
+          <p:cNvSpPr/>
+          <p:nvPr/>
+        </p:nvSpPr>
+        <p:spPr>
+          <a:xfrm>
+            <a:off x="3336758" y="5960419"/>
+            <a:ext cx="6096000" cy="400110"/>
+          </a:xfrm>
+          <a:prstGeom prst="rect">
+            <a:avLst/>
+          </a:prstGeom>
+        </p:spPr>
+        <p:txBody>
+          <a:bodyPr>
+            <a:spAutoFit/>
+          </a:bodyPr>
+          <a:lstStyle/>
+          <a:p>
+            <a:pPr algn="r">
+              <a:spcBef>
+                <a:spcPct val="0"/>
+              </a:spcBef>
+            </a:pPr>
+            <a:r>
+              <a:rPr lang="uk-UA" altLang="ru-RU" sz="2000" dirty="0">
+                <a:latin typeface="Times New Roman" panose="02020603050405020304" pitchFamily="18" charset="0"/>
+                <a:cs typeface="Times New Roman" panose="02020603050405020304" pitchFamily="18" charset="0"/>
+              </a:rPr>
+              <a:t> </a:t>
+            </a:r>
+            <a:endParaRPr lang="ru-RU" altLang="ru-RU" sz="2000" dirty="0">
+              <a:latin typeface="Times New Roman" panose="02020603050405020304" pitchFamily="18" charset="0"/>
+              <a:cs typeface="Times New Roman" panose="02020603050405020304" pitchFamily="18" charset="0"/>
+            </a:endParaRPr>
+          </a:p>
+        </p:txBody>
+      </p:sp>
+      <p:sp>
+        <p:nvSpPr>
+          <p:cNvPr id="3" name="Прямоугольник 2"/>
+          <p:cNvSpPr/>
+          <p:nvPr/>
+        </p:nvSpPr>
+        <p:spPr>
+          <a:xfrm>
+            <a:off x="702644" y="1193601"/>
+            <a:ext cx="11020926" cy="400110"/>
+          </a:xfrm>
+          <a:prstGeom prst="rect">
+            <a:avLst/>
+          </a:prstGeom>
+        </p:spPr>
+        <p:txBody>
+          <a:bodyPr wrap="square">
+            <a:spAutoFit/>
+          </a:bodyPr>
+          <a:lstStyle/>
+          <a:p>
+            <a:pPr algn="ctr"/>
+            <a:r>
+              <a:rPr lang="ru-RU" sz="2000" dirty="0" smtClean="0">
+                <a:latin typeface="Times New Roman" panose="02020603050405020304" pitchFamily="18" charset="0"/>
+                <a:cs typeface="Times New Roman" panose="02020603050405020304" pitchFamily="18" charset="0"/>
+              </a:rPr>
               <a:t>Зададим расстояние между двумя точками на плане чтобы определить масштаб и укажем высоту:</a:t>
             </a:r>
             <a:endParaRPr lang="ru-RU" sz="2000" dirty="0">
@@ -7783,7 +8210,7 @@
 </p:sld>
 </file>
 
-<file path=ppt/slides/slide15.xml><?xml version="1.0" encoding="utf-8"?>
+<file path=ppt/slides/slide16.xml><?xml version="1.0" encoding="utf-8"?>
 <p:sld xmlns:a="http://schemas.openxmlformats.org/drawingml/2006/main" xmlns:r="http://schemas.openxmlformats.org/officeDocument/2006/relationships" xmlns:p="http://schemas.openxmlformats.org/presentationml/2006/main">
   <p:cSld>
     <p:bg>
@@ -8054,6 +8481,436 @@
       </p:grpSpPr>
       <p:sp>
         <p:nvSpPr>
+          <p:cNvPr id="10" name="Прямоугольник 9"/>
+          <p:cNvSpPr/>
+          <p:nvPr/>
+        </p:nvSpPr>
+        <p:spPr>
+          <a:xfrm>
+            <a:off x="3336758" y="5960419"/>
+            <a:ext cx="6096000" cy="400110"/>
+          </a:xfrm>
+          <a:prstGeom prst="rect">
+            <a:avLst/>
+          </a:prstGeom>
+        </p:spPr>
+        <p:txBody>
+          <a:bodyPr>
+            <a:spAutoFit/>
+          </a:bodyPr>
+          <a:lstStyle/>
+          <a:p>
+            <a:pPr algn="r">
+              <a:spcBef>
+                <a:spcPct val="0"/>
+              </a:spcBef>
+            </a:pPr>
+            <a:r>
+              <a:rPr lang="uk-UA" altLang="ru-RU" sz="2000" dirty="0">
+                <a:latin typeface="Times New Roman" panose="02020603050405020304" pitchFamily="18" charset="0"/>
+                <a:cs typeface="Times New Roman" panose="02020603050405020304" pitchFamily="18" charset="0"/>
+              </a:rPr>
+              <a:t> </a:t>
+            </a:r>
+            <a:endParaRPr lang="ru-RU" altLang="ru-RU" sz="2000" dirty="0">
+              <a:latin typeface="Times New Roman" panose="02020603050405020304" pitchFamily="18" charset="0"/>
+              <a:cs typeface="Times New Roman" panose="02020603050405020304" pitchFamily="18" charset="0"/>
+            </a:endParaRPr>
+          </a:p>
+        </p:txBody>
+      </p:sp>
+      <p:sp>
+        <p:nvSpPr>
+          <p:cNvPr id="2" name="Прямоугольник 1"/>
+          <p:cNvSpPr/>
+          <p:nvPr/>
+        </p:nvSpPr>
+        <p:spPr>
+          <a:xfrm>
+            <a:off x="103517" y="51109"/>
+            <a:ext cx="10613365" cy="7571303"/>
+          </a:xfrm>
+          <a:prstGeom prst="rect">
+            <a:avLst/>
+          </a:prstGeom>
+        </p:spPr>
+        <p:txBody>
+          <a:bodyPr wrap="square">
+            <a:spAutoFit/>
+          </a:bodyPr>
+          <a:lstStyle/>
+          <a:p>
+            <a:pPr algn="just">
+              <a:lnSpc>
+                <a:spcPct val="150000"/>
+              </a:lnSpc>
+            </a:pPr>
+            <a:r>
+              <a:rPr lang="ru-RU" b="1" dirty="0">
+                <a:latin typeface="Times New Roman" panose="02020603050405020304" pitchFamily="18" charset="0"/>
+                <a:cs typeface="Times New Roman" panose="02020603050405020304" pitchFamily="18" charset="0"/>
+              </a:rPr>
+              <a:t>	</a:t>
+            </a:r>
+            <a:r>
+              <a:rPr lang="uk-UA" b="1" dirty="0" smtClean="0">
+                <a:latin typeface="Times New Roman" panose="02020603050405020304" pitchFamily="18" charset="0"/>
+                <a:cs typeface="Times New Roman" panose="02020603050405020304" pitchFamily="18" charset="0"/>
+              </a:rPr>
+              <a:t>Мета дипломної роботи</a:t>
+            </a:r>
+            <a:r>
+              <a:rPr lang="uk-UA" b="1" dirty="0">
+                <a:latin typeface="Times New Roman" panose="02020603050405020304" pitchFamily="18" charset="0"/>
+                <a:cs typeface="Times New Roman" panose="02020603050405020304" pitchFamily="18" charset="0"/>
+              </a:rPr>
+              <a:t>: </a:t>
+            </a:r>
+            <a:r>
+              <a:rPr lang="uk-UA" dirty="0">
+                <a:latin typeface="Times New Roman" panose="02020603050405020304" pitchFamily="18" charset="0"/>
+                <a:cs typeface="Times New Roman" panose="02020603050405020304" pitchFamily="18" charset="0"/>
+              </a:rPr>
+              <a:t>Розробка алгоритму вибору і розміщення засобів технічного захисту для забезпечення інформаційної безпеки </a:t>
+            </a:r>
+            <a:r>
+              <a:rPr lang="uk-UA" dirty="0" smtClean="0">
+                <a:latin typeface="Times New Roman" panose="02020603050405020304" pitchFamily="18" charset="0"/>
+                <a:cs typeface="Times New Roman" panose="02020603050405020304" pitchFamily="18" charset="0"/>
+              </a:rPr>
+              <a:t>організації.</a:t>
+            </a:r>
+            <a:endParaRPr lang="uk-UA" dirty="0">
+              <a:latin typeface="Times New Roman" panose="02020603050405020304" pitchFamily="18" charset="0"/>
+              <a:cs typeface="Times New Roman" panose="02020603050405020304" pitchFamily="18" charset="0"/>
+            </a:endParaRPr>
+          </a:p>
+          <a:p>
+            <a:pPr algn="just">
+              <a:lnSpc>
+                <a:spcPct val="150000"/>
+              </a:lnSpc>
+            </a:pPr>
+            <a:r>
+              <a:rPr lang="uk-UA" b="1" dirty="0" smtClean="0">
+                <a:latin typeface="Times New Roman" panose="02020603050405020304" pitchFamily="18" charset="0"/>
+                <a:cs typeface="Times New Roman" panose="02020603050405020304" pitchFamily="18" charset="0"/>
+              </a:rPr>
+              <a:t>	Об</a:t>
+            </a:r>
+            <a:r>
+              <a:rPr lang="en-US" b="1" dirty="0" smtClean="0">
+                <a:latin typeface="Times New Roman" panose="02020603050405020304" pitchFamily="18" charset="0"/>
+                <a:cs typeface="Times New Roman" panose="02020603050405020304" pitchFamily="18" charset="0"/>
+              </a:rPr>
+              <a:t>’</a:t>
+            </a:r>
+            <a:r>
+              <a:rPr lang="uk-UA" b="1" dirty="0" err="1" smtClean="0">
+                <a:latin typeface="Times New Roman" panose="02020603050405020304" pitchFamily="18" charset="0"/>
+                <a:cs typeface="Times New Roman" panose="02020603050405020304" pitchFamily="18" charset="0"/>
+              </a:rPr>
+              <a:t>єкт</a:t>
+            </a:r>
+            <a:r>
+              <a:rPr lang="uk-UA" b="1" dirty="0">
+                <a:latin typeface="Times New Roman" panose="02020603050405020304" pitchFamily="18" charset="0"/>
+                <a:cs typeface="Times New Roman" panose="02020603050405020304" pitchFamily="18" charset="0"/>
+              </a:rPr>
+              <a:t> дослідження: </a:t>
+            </a:r>
+            <a:r>
+              <a:rPr lang="uk-UA" dirty="0" smtClean="0">
+                <a:latin typeface="Times New Roman" panose="02020603050405020304" pitchFamily="18" charset="0"/>
+                <a:cs typeface="Times New Roman" panose="02020603050405020304" pitchFamily="18" charset="0"/>
+              </a:rPr>
+              <a:t>Система </a:t>
+            </a:r>
+            <a:r>
+              <a:rPr lang="uk-UA" dirty="0">
+                <a:latin typeface="Times New Roman" panose="02020603050405020304" pitchFamily="18" charset="0"/>
+                <a:cs typeface="Times New Roman" panose="02020603050405020304" pitchFamily="18" charset="0"/>
+              </a:rPr>
+              <a:t>забезпечення інформаційної безпеки </a:t>
+            </a:r>
+            <a:r>
+              <a:rPr lang="uk-UA" dirty="0" smtClean="0">
+                <a:latin typeface="Times New Roman" panose="02020603050405020304" pitchFamily="18" charset="0"/>
+                <a:cs typeface="Times New Roman" panose="02020603050405020304" pitchFamily="18" charset="0"/>
+              </a:rPr>
+              <a:t>організації, </a:t>
+            </a:r>
+            <a:r>
+              <a:rPr lang="uk-UA" dirty="0">
+                <a:latin typeface="Times New Roman" panose="02020603050405020304" pitchFamily="18" charset="0"/>
+                <a:cs typeface="Times New Roman" panose="02020603050405020304" pitchFamily="18" charset="0"/>
+              </a:rPr>
+              <a:t>реалізована за допомогою технічних засобів захисту інформації </a:t>
+            </a:r>
+            <a:r>
+              <a:rPr lang="uk-UA" dirty="0" smtClean="0">
+                <a:latin typeface="Times New Roman" panose="02020603050405020304" pitchFamily="18" charset="0"/>
+                <a:cs typeface="Times New Roman" panose="02020603050405020304" pitchFamily="18" charset="0"/>
+              </a:rPr>
+              <a:t>.</a:t>
+            </a:r>
+          </a:p>
+          <a:p>
+            <a:pPr algn="just">
+              <a:lnSpc>
+                <a:spcPct val="150000"/>
+              </a:lnSpc>
+            </a:pPr>
+            <a:r>
+              <a:rPr lang="uk-UA" dirty="0">
+                <a:latin typeface="Times New Roman" panose="02020603050405020304" pitchFamily="18" charset="0"/>
+                <a:cs typeface="Times New Roman" panose="02020603050405020304" pitchFamily="18" charset="0"/>
+              </a:rPr>
+              <a:t>	</a:t>
+            </a:r>
+            <a:r>
+              <a:rPr lang="uk-UA" b="1" dirty="0" smtClean="0">
+                <a:latin typeface="Times New Roman" panose="02020603050405020304" pitchFamily="18" charset="0"/>
+                <a:cs typeface="Times New Roman" panose="02020603050405020304" pitchFamily="18" charset="0"/>
+              </a:rPr>
+              <a:t>Предмет дослідження: </a:t>
+            </a:r>
+            <a:r>
+              <a:rPr lang="uk-UA" dirty="0" smtClean="0">
+                <a:latin typeface="Times New Roman" panose="02020603050405020304" pitchFamily="18" charset="0"/>
+                <a:cs typeface="Times New Roman" panose="02020603050405020304" pitchFamily="18" charset="0"/>
+              </a:rPr>
+              <a:t>Алгоритм вибору технічних засобів захисту інформації та їх ефективного розташування на плані підприємства.</a:t>
+            </a:r>
+          </a:p>
+          <a:p>
+            <a:pPr algn="just">
+              <a:lnSpc>
+                <a:spcPct val="150000"/>
+              </a:lnSpc>
+            </a:pPr>
+            <a:r>
+              <a:rPr lang="uk-UA" dirty="0">
+                <a:latin typeface="Times New Roman" panose="02020603050405020304" pitchFamily="18" charset="0"/>
+                <a:cs typeface="Times New Roman" panose="02020603050405020304" pitchFamily="18" charset="0"/>
+              </a:rPr>
+              <a:t>	</a:t>
+            </a:r>
+            <a:r>
+              <a:rPr lang="uk-UA" b="1" dirty="0" smtClean="0">
+                <a:latin typeface="Times New Roman" panose="02020603050405020304" pitchFamily="18" charset="0"/>
+                <a:cs typeface="Times New Roman" panose="02020603050405020304" pitchFamily="18" charset="0"/>
+              </a:rPr>
+              <a:t>Основні задачі дипломної роботи:</a:t>
+            </a:r>
+          </a:p>
+          <a:p>
+            <a:pPr marL="1200150" lvl="2" indent="-285750" algn="just">
+              <a:lnSpc>
+                <a:spcPct val="150000"/>
+              </a:lnSpc>
+              <a:buFont typeface="Arial" panose="020B0604020202020204" pitchFamily="34" charset="0"/>
+              <a:buChar char="•"/>
+            </a:pPr>
+            <a:r>
+              <a:rPr lang="uk-UA" b="1" dirty="0">
+                <a:latin typeface="Times New Roman" panose="02020603050405020304" pitchFamily="18" charset="0"/>
+                <a:cs typeface="Times New Roman" panose="02020603050405020304" pitchFamily="18" charset="0"/>
+              </a:rPr>
+              <a:t> </a:t>
+            </a:r>
+            <a:r>
+              <a:rPr lang="uk-UA" dirty="0">
+                <a:latin typeface="Times New Roman" panose="02020603050405020304" pitchFamily="18" charset="0"/>
+                <a:cs typeface="Times New Roman" panose="02020603050405020304" pitchFamily="18" charset="0"/>
+              </a:rPr>
+              <a:t>Проаналізувати сферу застосування систем підтримки прийняття рішень в області захисту інформації та методи їх побудови</a:t>
+            </a:r>
+            <a:r>
+              <a:rPr lang="uk-UA" dirty="0" smtClean="0">
+                <a:latin typeface="Times New Roman" panose="02020603050405020304" pitchFamily="18" charset="0"/>
+                <a:cs typeface="Times New Roman" panose="02020603050405020304" pitchFamily="18" charset="0"/>
+              </a:rPr>
+              <a:t>.</a:t>
+            </a:r>
+          </a:p>
+          <a:p>
+            <a:pPr marL="1200150" lvl="2" indent="-285750" algn="just">
+              <a:lnSpc>
+                <a:spcPct val="150000"/>
+              </a:lnSpc>
+              <a:buFont typeface="Arial" panose="020B0604020202020204" pitchFamily="34" charset="0"/>
+              <a:buChar char="•"/>
+            </a:pPr>
+            <a:r>
+              <a:rPr lang="uk-UA" dirty="0" smtClean="0">
+                <a:latin typeface="Times New Roman" panose="02020603050405020304" pitchFamily="18" charset="0"/>
+                <a:cs typeface="Times New Roman" panose="02020603050405020304" pitchFamily="18" charset="0"/>
+              </a:rPr>
+              <a:t> </a:t>
+            </a:r>
+            <a:r>
+              <a:rPr lang="uk-UA" dirty="0">
+                <a:latin typeface="Times New Roman" panose="02020603050405020304" pitchFamily="18" charset="0"/>
+                <a:cs typeface="Times New Roman" panose="02020603050405020304" pitchFamily="18" charset="0"/>
+              </a:rPr>
+              <a:t>Обрати відповідний метод побудови системи підтримки прийняття рішень для оптимізації розташування засобів технічного захисту інформації, на його основі розробити алгоритм розміщення засобів технічного захисту інформації</a:t>
+            </a:r>
+            <a:r>
+              <a:rPr lang="uk-UA" dirty="0" smtClean="0">
+                <a:latin typeface="Times New Roman" panose="02020603050405020304" pitchFamily="18" charset="0"/>
+                <a:cs typeface="Times New Roman" panose="02020603050405020304" pitchFamily="18" charset="0"/>
+              </a:rPr>
+              <a:t>.</a:t>
+            </a:r>
+          </a:p>
+          <a:p>
+            <a:pPr marL="1200150" lvl="2" indent="-285750" algn="just">
+              <a:lnSpc>
+                <a:spcPct val="150000"/>
+              </a:lnSpc>
+              <a:buFont typeface="Arial" panose="020B0604020202020204" pitchFamily="34" charset="0"/>
+              <a:buChar char="•"/>
+            </a:pPr>
+            <a:r>
+              <a:rPr lang="uk-UA" dirty="0">
+                <a:latin typeface="Times New Roman" panose="02020603050405020304" pitchFamily="18" charset="0"/>
+                <a:cs typeface="Times New Roman" panose="02020603050405020304" pitchFamily="18" charset="0"/>
+              </a:rPr>
+              <a:t>Перевірити збіжність розробленого алгоритму</a:t>
+            </a:r>
+            <a:r>
+              <a:rPr lang="uk-UA" dirty="0" smtClean="0">
+                <a:latin typeface="Times New Roman" panose="02020603050405020304" pitchFamily="18" charset="0"/>
+                <a:cs typeface="Times New Roman" panose="02020603050405020304" pitchFamily="18" charset="0"/>
+              </a:rPr>
+              <a:t>.</a:t>
+            </a:r>
+          </a:p>
+          <a:p>
+            <a:pPr marL="1200150" lvl="2" indent="-285750" algn="just">
+              <a:lnSpc>
+                <a:spcPct val="150000"/>
+              </a:lnSpc>
+              <a:buFont typeface="Arial" panose="020B0604020202020204" pitchFamily="34" charset="0"/>
+              <a:buChar char="•"/>
+            </a:pPr>
+            <a:r>
+              <a:rPr lang="uk-UA" dirty="0">
+                <a:latin typeface="Times New Roman" panose="02020603050405020304" pitchFamily="18" charset="0"/>
+                <a:cs typeface="Times New Roman" panose="02020603050405020304" pitchFamily="18" charset="0"/>
+              </a:rPr>
+              <a:t>Використовуючи створений алгоритм побудувати програму для автоматичного розміщення камер системи відеоспостереження на об'єкті.</a:t>
+            </a:r>
+            <a:endParaRPr lang="ru-RU" dirty="0">
+              <a:latin typeface="Times New Roman" panose="02020603050405020304" pitchFamily="18" charset="0"/>
+              <a:cs typeface="Times New Roman" panose="02020603050405020304" pitchFamily="18" charset="0"/>
+            </a:endParaRPr>
+          </a:p>
+          <a:p>
+            <a:pPr lvl="2" algn="just">
+              <a:lnSpc>
+                <a:spcPct val="150000"/>
+              </a:lnSpc>
+            </a:pPr>
+            <a:endParaRPr lang="ru-RU" b="1" dirty="0" smtClean="0">
+              <a:latin typeface="Times New Roman" panose="02020603050405020304" pitchFamily="18" charset="0"/>
+              <a:cs typeface="Times New Roman" panose="02020603050405020304" pitchFamily="18" charset="0"/>
+            </a:endParaRPr>
+          </a:p>
+          <a:p>
+            <a:pPr algn="just">
+              <a:lnSpc>
+                <a:spcPct val="150000"/>
+              </a:lnSpc>
+            </a:pPr>
+            <a:endParaRPr lang="en-US" dirty="0">
+              <a:latin typeface="Times New Roman" panose="02020603050405020304" pitchFamily="18" charset="0"/>
+              <a:cs typeface="Times New Roman" panose="02020603050405020304" pitchFamily="18" charset="0"/>
+            </a:endParaRPr>
+          </a:p>
+          <a:p>
+            <a:pPr algn="ctr">
+              <a:lnSpc>
+                <a:spcPct val="150000"/>
+              </a:lnSpc>
+            </a:pPr>
+            <a:endParaRPr lang="ru-RU" dirty="0">
+              <a:latin typeface="Times New Roman" panose="02020603050405020304" pitchFamily="18" charset="0"/>
+              <a:cs typeface="Times New Roman" panose="02020603050405020304" pitchFamily="18" charset="0"/>
+            </a:endParaRPr>
+          </a:p>
+        </p:txBody>
+      </p:sp>
+    </p:spTree>
+    <p:extLst>
+      <p:ext uri="{BB962C8B-B14F-4D97-AF65-F5344CB8AC3E}">
+        <p14:creationId xmlns:p14="http://schemas.microsoft.com/office/powerpoint/2010/main" val="2215034334"/>
+      </p:ext>
+    </p:extLst>
+  </p:cSld>
+  <p:clrMapOvr>
+    <a:masterClrMapping/>
+  </p:clrMapOvr>
+  <mc:AlternateContent xmlns:mc="http://schemas.openxmlformats.org/markup-compatibility/2006" xmlns:p14="http://schemas.microsoft.com/office/powerpoint/2010/main">
+    <mc:Choice Requires="p14">
+      <p:transition spd="slow" p14:dur="1500">
+        <p14:shred/>
+      </p:transition>
+    </mc:Choice>
+    <mc:Fallback xmlns="">
+      <p:transition spd="slow">
+        <p:fade/>
+      </p:transition>
+    </mc:Fallback>
+  </mc:AlternateContent>
+  <p:timing>
+    <p:tnLst>
+      <p:par>
+        <p:cTn id="1" dur="indefinite" restart="never" nodeType="tmRoot"/>
+      </p:par>
+    </p:tnLst>
+  </p:timing>
+</p:sld>
+</file>
+
+<file path=ppt/slides/slide3.xml><?xml version="1.0" encoding="utf-8"?>
+<p:sld xmlns:a="http://schemas.openxmlformats.org/drawingml/2006/main" xmlns:r="http://schemas.openxmlformats.org/officeDocument/2006/relationships" xmlns:p="http://schemas.openxmlformats.org/presentationml/2006/main">
+  <p:cSld>
+    <p:bg>
+      <p:bgPr>
+        <a:gradFill>
+          <a:gsLst>
+            <a:gs pos="71000">
+              <a:schemeClr val="bg1"/>
+            </a:gs>
+            <a:gs pos="100000">
+              <a:srgbClr val="DCE4E7">
+                <a:lumMod val="96000"/>
+              </a:srgbClr>
+            </a:gs>
+          </a:gsLst>
+          <a:lin ang="5400000" scaled="1"/>
+        </a:gradFill>
+        <a:effectLst/>
+      </p:bgPr>
+    </p:bg>
+    <p:spTree>
+      <p:nvGrpSpPr>
+        <p:cNvPr id="1" name=""/>
+        <p:cNvGrpSpPr/>
+        <p:nvPr/>
+      </p:nvGrpSpPr>
+      <p:grpSpPr>
+        <a:xfrm>
+          <a:off x="0" y="0"/>
+          <a:ext cx="0" cy="0"/>
+          <a:chOff x="0" y="0"/>
+          <a:chExt cx="0" cy="0"/>
+        </a:xfrm>
+      </p:grpSpPr>
+      <p:sp>
+        <p:nvSpPr>
           <p:cNvPr id="8" name="Прямоугольник 7"/>
           <p:cNvSpPr/>
           <p:nvPr/>
@@ -8109,7 +8966,17 @@
                 <a:latin typeface="Times New Roman" panose="02020603050405020304" pitchFamily="18" charset="0"/>
                 <a:cs typeface="Times New Roman" panose="02020603050405020304" pitchFamily="18" charset="0"/>
               </a:rPr>
-              <a:t>СИСТЕМЫ ПОДДЕРЖКИ ПРИНЯТИЯ РЕШЕНИЙ</a:t>
+              <a:t>СИСТЕМИ </a:t>
+            </a:r>
+            <a:r>
+              <a:rPr lang="ru-RU" sz="2000" b="1" spc="100" dirty="0">
+                <a:solidFill>
+                  <a:schemeClr val="bg1"/>
+                </a:solidFill>
+                <a:latin typeface="Times New Roman" panose="02020603050405020304" pitchFamily="18" charset="0"/>
+                <a:cs typeface="Times New Roman" panose="02020603050405020304" pitchFamily="18" charset="0"/>
+              </a:rPr>
+              <a:t>ПІДТРИМКИ ПРИЙНЯТТЯ РІШЕНЬ</a:t>
             </a:r>
             <a:endParaRPr lang="en-US" sz="2000" b="1" spc="100" dirty="0" smtClean="0">
               <a:solidFill>
@@ -8179,8 +9046,8 @@
         </p:nvSpPr>
         <p:spPr>
           <a:xfrm>
-            <a:off x="4925683" y="1014252"/>
-            <a:ext cx="6797887" cy="4662815"/>
+            <a:off x="4813541" y="1014252"/>
+            <a:ext cx="6910030" cy="4247317"/>
           </a:xfrm>
           <a:prstGeom prst="rect">
             <a:avLst/>
@@ -8202,79 +9069,51 @@
                 <a:latin typeface="Times New Roman" panose="02020603050405020304" pitchFamily="18" charset="0"/>
                 <a:cs typeface="Times New Roman" panose="02020603050405020304" pitchFamily="18" charset="0"/>
               </a:rPr>
-              <a:t>	В </a:t>
-            </a:r>
+              <a:t>	</a:t>
+            </a:r>
+          </a:p>
+          <a:p>
+            <a:pPr algn="just">
+              <a:lnSpc>
+                <a:spcPct val="150000"/>
+              </a:lnSpc>
+            </a:pPr>
             <a:r>
               <a:rPr lang="ru-RU" dirty="0">
                 <a:latin typeface="Times New Roman" panose="02020603050405020304" pitchFamily="18" charset="0"/>
                 <a:cs typeface="Times New Roman" panose="02020603050405020304" pitchFamily="18" charset="0"/>
               </a:rPr>
-              <a:t>тех областях человеческой </a:t>
+              <a:t>	</a:t>
+            </a:r>
+            <a:r>
+              <a:rPr lang="uk-UA" dirty="0" smtClean="0">
+                <a:latin typeface="Times New Roman" panose="02020603050405020304" pitchFamily="18" charset="0"/>
+                <a:cs typeface="Times New Roman" panose="02020603050405020304" pitchFamily="18" charset="0"/>
+              </a:rPr>
+              <a:t>У тих областях людської діяльності, де необхідне прийняття рішень в складних умовах, широкого поширення набули СППР </a:t>
+            </a:r>
+            <a:r>
+              <a:rPr lang="uk-UA" dirty="0">
+                <a:latin typeface="Times New Roman" panose="02020603050405020304" pitchFamily="18" charset="0"/>
+                <a:ea typeface="Times New Roman" panose="02020603050405020304" pitchFamily="18" charset="0"/>
+              </a:rPr>
+              <a:t>—</a:t>
+            </a:r>
+            <a:r>
+              <a:rPr lang="uk-UA" dirty="0" smtClean="0">
+                <a:latin typeface="Times New Roman" panose="02020603050405020304" pitchFamily="18" charset="0"/>
+                <a:cs typeface="Times New Roman" panose="02020603050405020304" pitchFamily="18" charset="0"/>
+              </a:rPr>
+              <a:t> системи підтримки прийняття рішень</a:t>
             </a:r>
             <a:r>
               <a:rPr lang="ru-RU" dirty="0" smtClean="0">
                 <a:latin typeface="Times New Roman" panose="02020603050405020304" pitchFamily="18" charset="0"/>
                 <a:cs typeface="Times New Roman" panose="02020603050405020304" pitchFamily="18" charset="0"/>
               </a:rPr>
-              <a:t>деятельности, </a:t>
-            </a:r>
-            <a:r>
-              <a:rPr lang="ru-RU" dirty="0">
-                <a:latin typeface="Times New Roman" panose="02020603050405020304" pitchFamily="18" charset="0"/>
-                <a:cs typeface="Times New Roman" panose="02020603050405020304" pitchFamily="18" charset="0"/>
-              </a:rPr>
-              <a:t>где необходимо принятие решений в сложных </a:t>
-            </a:r>
-            <a:r>
-              <a:rPr lang="ru-RU" dirty="0" smtClean="0">
-                <a:latin typeface="Times New Roman" panose="02020603050405020304" pitchFamily="18" charset="0"/>
-                <a:cs typeface="Times New Roman" panose="02020603050405020304" pitchFamily="18" charset="0"/>
-              </a:rPr>
-              <a:t>условиях, </a:t>
-            </a:r>
-            <a:r>
-              <a:rPr lang="ru-RU" dirty="0">
-                <a:latin typeface="Times New Roman" panose="02020603050405020304" pitchFamily="18" charset="0"/>
-                <a:cs typeface="Times New Roman" panose="02020603050405020304" pitchFamily="18" charset="0"/>
-              </a:rPr>
-              <a:t>широкое распространение получили </a:t>
-            </a:r>
-            <a:r>
-              <a:rPr lang="ru-RU" dirty="0" smtClean="0">
-                <a:latin typeface="Times New Roman" panose="02020603050405020304" pitchFamily="18" charset="0"/>
-                <a:cs typeface="Times New Roman" panose="02020603050405020304" pitchFamily="18" charset="0"/>
-              </a:rPr>
-              <a:t>СППР </a:t>
-            </a:r>
-            <a:r>
-              <a:rPr lang="uk-UA" dirty="0">
-                <a:latin typeface="Times New Roman" panose="02020603050405020304" pitchFamily="18" charset="0"/>
-                <a:ea typeface="Times New Roman" panose="02020603050405020304" pitchFamily="18" charset="0"/>
-              </a:rPr>
-              <a:t>—</a:t>
-            </a:r>
-            <a:r>
-              <a:rPr lang="ru-RU" dirty="0" smtClean="0">
-                <a:latin typeface="Times New Roman" panose="02020603050405020304" pitchFamily="18" charset="0"/>
-                <a:cs typeface="Times New Roman" panose="02020603050405020304" pitchFamily="18" charset="0"/>
-              </a:rPr>
-              <a:t> </a:t>
-            </a:r>
-            <a:r>
-              <a:rPr lang="ru-RU" dirty="0">
-                <a:latin typeface="Times New Roman" panose="02020603050405020304" pitchFamily="18" charset="0"/>
-                <a:cs typeface="Times New Roman" panose="02020603050405020304" pitchFamily="18" charset="0"/>
-              </a:rPr>
-              <a:t>системы поддержки принятия </a:t>
-            </a:r>
-            <a:r>
-              <a:rPr lang="ru-RU" dirty="0" smtClean="0">
-                <a:latin typeface="Times New Roman" panose="02020603050405020304" pitchFamily="18" charset="0"/>
-                <a:cs typeface="Times New Roman" panose="02020603050405020304" pitchFamily="18" charset="0"/>
-              </a:rPr>
-              <a:t>решений. </a:t>
-            </a:r>
-            <a:endParaRPr lang="en-US" dirty="0">
+              <a:t>.</a:t>
+            </a:r>
+            <a:endParaRPr lang="en-US" dirty="0" smtClean="0">
               <a:latin typeface="Times New Roman" panose="02020603050405020304" pitchFamily="18" charset="0"/>
               <a:cs typeface="Times New Roman" panose="02020603050405020304" pitchFamily="18" charset="0"/>
             </a:endParaRPr>
@@ -8285,7 +9124,7 @@
                 <a:spcPct val="150000"/>
               </a:lnSpc>
             </a:pPr>
-            <a:endParaRPr lang="ru-RU" dirty="0">
+            <a:endParaRPr lang="ru-RU" dirty="0" smtClean="0">
               <a:latin typeface="Times New Roman" panose="02020603050405020304" pitchFamily="18" charset="0"/>
               <a:cs typeface="Times New Roman" panose="02020603050405020304" pitchFamily="18" charset="0"/>
             </a:endParaRPr>
@@ -8297,39 +9136,11 @@
               </a:lnSpc>
             </a:pPr>
             <a:r>
-              <a:rPr lang="ru-RU" dirty="0" smtClean="0">
-                <a:latin typeface="Times New Roman" panose="02020603050405020304" pitchFamily="18" charset="0"/>
-                <a:cs typeface="Times New Roman" panose="02020603050405020304" pitchFamily="18" charset="0"/>
-              </a:rPr>
-              <a:t>В </a:t>
-            </a:r>
-            <a:r>
-              <a:rPr lang="ru-RU" dirty="0">
-                <a:latin typeface="Times New Roman" panose="02020603050405020304" pitchFamily="18" charset="0"/>
-                <a:cs typeface="Times New Roman" panose="02020603050405020304" pitchFamily="18" charset="0"/>
-              </a:rPr>
-              <a:t>сфере </a:t>
-            </a:r>
-            <a:r>
-              <a:rPr lang="ru-RU" dirty="0" smtClean="0">
-                <a:latin typeface="Times New Roman" panose="02020603050405020304" pitchFamily="18" charset="0"/>
-                <a:cs typeface="Times New Roman" panose="02020603050405020304" pitchFamily="18" charset="0"/>
-              </a:rPr>
-              <a:t>защиты </a:t>
-            </a:r>
-            <a:r>
-              <a:rPr lang="ru-RU" dirty="0">
-                <a:latin typeface="Times New Roman" panose="02020603050405020304" pitchFamily="18" charset="0"/>
-                <a:cs typeface="Times New Roman" panose="02020603050405020304" pitchFamily="18" charset="0"/>
-              </a:rPr>
-              <a:t>информации СППР </a:t>
-            </a:r>
-            <a:r>
-              <a:rPr lang="ru-RU" dirty="0" smtClean="0">
-                <a:latin typeface="Times New Roman" panose="02020603050405020304" pitchFamily="18" charset="0"/>
-                <a:cs typeface="Times New Roman" panose="02020603050405020304" pitchFamily="18" charset="0"/>
-              </a:rPr>
-              <a:t>используются для</a:t>
+              <a:rPr lang="uk-UA" dirty="0" smtClean="0">
+                <a:latin typeface="Times New Roman" panose="02020603050405020304" pitchFamily="18" charset="0"/>
+                <a:cs typeface="Times New Roman" panose="02020603050405020304" pitchFamily="18" charset="0"/>
+              </a:rPr>
+              <a:t>У сфері захисту інформації СППР використовуються для</a:t>
             </a:r>
             <a:r>
               <a:rPr lang="en-US" dirty="0" smtClean="0">
@@ -8338,9 +9149,13 @@
               </a:rPr>
               <a:t>:</a:t>
             </a:r>
-          </a:p>
-          <a:p>
-            <a:pPr indent="-342900">
+            <a:endParaRPr lang="ru-RU" dirty="0">
+              <a:latin typeface="Times New Roman" panose="02020603050405020304" pitchFamily="18" charset="0"/>
+              <a:cs typeface="Times New Roman" panose="02020603050405020304" pitchFamily="18" charset="0"/>
+            </a:endParaRPr>
+          </a:p>
+          <a:p>
+            <a:pPr lvl="2" indent="-342900">
               <a:lnSpc>
                 <a:spcPct val="150000"/>
               </a:lnSpc>
@@ -8348,19 +9163,26 @@
               <a:buChar char="•"/>
             </a:pPr>
             <a:r>
-              <a:rPr lang="ru-RU" dirty="0" smtClean="0">
-                <a:latin typeface="Times New Roman" panose="02020603050405020304" pitchFamily="18" charset="0"/>
-                <a:cs typeface="Times New Roman" panose="02020603050405020304" pitchFamily="18" charset="0"/>
-              </a:rPr>
-              <a:t>обеспечения безопасности персональных данных,</a:t>
-            </a:r>
-            <a:endParaRPr lang="en-US" dirty="0" smtClean="0">
+              <a:rPr lang="uk-UA" dirty="0" smtClean="0">
+                <a:latin typeface="Times New Roman" panose="02020603050405020304" pitchFamily="18" charset="0"/>
+                <a:cs typeface="Times New Roman" panose="02020603050405020304" pitchFamily="18" charset="0"/>
+              </a:rPr>
+              <a:t>забезпечення безпеки персональних даних</a:t>
+            </a:r>
+            <a:r>
+              <a:rPr lang="en-US" dirty="0" smtClean="0">
+                <a:latin typeface="Times New Roman" panose="02020603050405020304" pitchFamily="18" charset="0"/>
+                <a:cs typeface="Times New Roman" panose="02020603050405020304" pitchFamily="18" charset="0"/>
+              </a:rPr>
+              <a:t>;</a:t>
+            </a:r>
+            <a:endParaRPr lang="ru-RU" dirty="0">
               <a:latin typeface="Times New Roman" panose="02020603050405020304" pitchFamily="18" charset="0"/>
               <a:cs typeface="Times New Roman" panose="02020603050405020304" pitchFamily="18" charset="0"/>
             </a:endParaRPr>
           </a:p>
           <a:p>
-            <a:pPr indent="-342900">
+            <a:pPr lvl="2" indent="-342900">
               <a:lnSpc>
                 <a:spcPct val="150000"/>
               </a:lnSpc>
@@ -8368,43 +9190,26 @@
               <a:buChar char="•"/>
             </a:pPr>
             <a:r>
-              <a:rPr lang="en-US" dirty="0" smtClean="0">
-                <a:latin typeface="Times New Roman" panose="02020603050405020304" pitchFamily="18" charset="0"/>
-                <a:cs typeface="Times New Roman" panose="02020603050405020304" pitchFamily="18" charset="0"/>
-              </a:rPr>
-              <a:t> </a:t>
+              <a:rPr lang="uk-UA" dirty="0" smtClean="0">
+                <a:latin typeface="Times New Roman" panose="02020603050405020304" pitchFamily="18" charset="0"/>
+                <a:cs typeface="Times New Roman" panose="02020603050405020304" pitchFamily="18" charset="0"/>
+              </a:rPr>
+              <a:t>забезпечення інформаційної безпеки організації</a:t>
             </a:r>
             <a:r>
               <a:rPr lang="ru-RU" dirty="0" smtClean="0">
                 <a:latin typeface="Times New Roman" panose="02020603050405020304" pitchFamily="18" charset="0"/>
                 <a:cs typeface="Times New Roman" panose="02020603050405020304" pitchFamily="18" charset="0"/>
               </a:rPr>
-              <a:t>обеспечения </a:t>
-            </a:r>
-            <a:r>
-              <a:rPr lang="ru-RU" dirty="0">
-                <a:latin typeface="Times New Roman" panose="02020603050405020304" pitchFamily="18" charset="0"/>
-                <a:cs typeface="Times New Roman" panose="02020603050405020304" pitchFamily="18" charset="0"/>
-              </a:rPr>
-              <a:t>информационной безопасности </a:t>
-            </a:r>
-            <a:r>
-              <a:rPr lang="ru-RU" dirty="0" smtClean="0">
-                <a:latin typeface="Times New Roman" panose="02020603050405020304" pitchFamily="18" charset="0"/>
-                <a:cs typeface="Times New Roman" panose="02020603050405020304" pitchFamily="18" charset="0"/>
-              </a:rPr>
-              <a:t>организации</a:t>
-            </a:r>
-            <a:r>
-              <a:rPr lang="en-US" dirty="0" smtClean="0">
-                <a:latin typeface="Times New Roman" panose="02020603050405020304" pitchFamily="18" charset="0"/>
-                <a:cs typeface="Times New Roman" panose="02020603050405020304" pitchFamily="18" charset="0"/>
-              </a:rPr>
               <a:t>;</a:t>
             </a:r>
-          </a:p>
-          <a:p>
-            <a:pPr indent="-342900">
+            <a:endParaRPr lang="ru-RU" dirty="0">
+              <a:latin typeface="Times New Roman" panose="02020603050405020304" pitchFamily="18" charset="0"/>
+              <a:cs typeface="Times New Roman" panose="02020603050405020304" pitchFamily="18" charset="0"/>
+            </a:endParaRPr>
+          </a:p>
+          <a:p>
+            <a:pPr lvl="2" indent="-342900">
               <a:lnSpc>
                 <a:spcPct val="150000"/>
               </a:lnSpc>
@@ -8412,47 +9217,26 @@
               <a:buChar char="•"/>
             </a:pPr>
             <a:r>
+              <a:rPr lang="uk-UA" dirty="0" smtClean="0">
+                <a:latin typeface="Times New Roman" panose="02020603050405020304" pitchFamily="18" charset="0"/>
+                <a:cs typeface="Times New Roman" panose="02020603050405020304" pitchFamily="18" charset="0"/>
+              </a:rPr>
+              <a:t>прийняття рішень про безпеку програмного забезпечення</a:t>
+            </a:r>
+            <a:r>
               <a:rPr lang="ru-RU" dirty="0" smtClean="0">
                 <a:latin typeface="Times New Roman" panose="02020603050405020304" pitchFamily="18" charset="0"/>
                 <a:cs typeface="Times New Roman" panose="02020603050405020304" pitchFamily="18" charset="0"/>
               </a:rPr>
-              <a:t>принятия </a:t>
-            </a:r>
-            <a:r>
-              <a:rPr lang="ru-RU" dirty="0">
-                <a:latin typeface="Times New Roman" panose="02020603050405020304" pitchFamily="18" charset="0"/>
-                <a:cs typeface="Times New Roman" panose="02020603050405020304" pitchFamily="18" charset="0"/>
-              </a:rPr>
-              <a:t>решений о безопасности программного </a:t>
-            </a:r>
-            <a:r>
-              <a:rPr lang="ru-RU" dirty="0" smtClean="0">
-                <a:latin typeface="Times New Roman" panose="02020603050405020304" pitchFamily="18" charset="0"/>
-                <a:cs typeface="Times New Roman" panose="02020603050405020304" pitchFamily="18" charset="0"/>
-              </a:rPr>
-              <a:t>обеспечения</a:t>
-            </a:r>
-            <a:r>
-              <a:rPr lang="en-US" dirty="0" smtClean="0">
-                <a:latin typeface="Times New Roman" panose="02020603050405020304" pitchFamily="18" charset="0"/>
-                <a:cs typeface="Times New Roman" panose="02020603050405020304" pitchFamily="18" charset="0"/>
-              </a:rPr>
               <a:t>;</a:t>
             </a:r>
-            <a:r>
-              <a:rPr lang="ru-RU" dirty="0" smtClean="0">
-                <a:latin typeface="Times New Roman" panose="02020603050405020304" pitchFamily="18" charset="0"/>
-                <a:cs typeface="Times New Roman" panose="02020603050405020304" pitchFamily="18" charset="0"/>
-              </a:rPr>
-              <a:t> </a:t>
-            </a:r>
-            <a:endParaRPr lang="en-US" dirty="0" smtClean="0">
+            <a:endParaRPr lang="ru-RU" dirty="0">
               <a:latin typeface="Times New Roman" panose="02020603050405020304" pitchFamily="18" charset="0"/>
               <a:cs typeface="Times New Roman" panose="02020603050405020304" pitchFamily="18" charset="0"/>
             </a:endParaRPr>
           </a:p>
           <a:p>
-            <a:pPr indent="-342900">
+            <a:pPr lvl="2" indent="-342900">
               <a:lnSpc>
                 <a:spcPct val="150000"/>
               </a:lnSpc>
@@ -8460,25 +9244,32 @@
               <a:buChar char="•"/>
             </a:pPr>
             <a:r>
+              <a:rPr lang="uk-UA" dirty="0" smtClean="0">
+                <a:latin typeface="Times New Roman" panose="02020603050405020304" pitchFamily="18" charset="0"/>
+                <a:cs typeface="Times New Roman" panose="02020603050405020304" pitchFamily="18" charset="0"/>
+              </a:rPr>
+              <a:t>проектування інформаційної безпеки </a:t>
+            </a:r>
+            <a:r>
+              <a:rPr lang="uk-UA" dirty="0" err="1" smtClean="0">
+                <a:latin typeface="Times New Roman" panose="02020603050405020304" pitchFamily="18" charset="0"/>
+                <a:cs typeface="Times New Roman" panose="02020603050405020304" pitchFamily="18" charset="0"/>
+              </a:rPr>
+              <a:t>телемедичних</a:t>
+            </a:r>
+            <a:r>
+              <a:rPr lang="uk-UA" dirty="0" smtClean="0">
+                <a:latin typeface="Times New Roman" panose="02020603050405020304" pitchFamily="18" charset="0"/>
+                <a:cs typeface="Times New Roman" panose="02020603050405020304" pitchFamily="18" charset="0"/>
+              </a:rPr>
+              <a:t> мереж</a:t>
+            </a:r>
+            <a:r>
               <a:rPr lang="ru-RU" dirty="0" smtClean="0">
                 <a:latin typeface="Times New Roman" panose="02020603050405020304" pitchFamily="18" charset="0"/>
                 <a:cs typeface="Times New Roman" panose="02020603050405020304" pitchFamily="18" charset="0"/>
               </a:rPr>
-              <a:t>проектирование </a:t>
-            </a:r>
-            <a:r>
-              <a:rPr lang="ru-RU" dirty="0">
-                <a:latin typeface="Times New Roman" panose="02020603050405020304" pitchFamily="18" charset="0"/>
-                <a:cs typeface="Times New Roman" panose="02020603050405020304" pitchFamily="18" charset="0"/>
-              </a:rPr>
-              <a:t>информационной безопасности телемедицинских </a:t>
-            </a:r>
-            <a:r>
-              <a:rPr lang="ru-RU" dirty="0" smtClean="0">
-                <a:latin typeface="Times New Roman" panose="02020603050405020304" pitchFamily="18" charset="0"/>
-                <a:cs typeface="Times New Roman" panose="02020603050405020304" pitchFamily="18" charset="0"/>
-              </a:rPr>
-              <a:t>сетей.</a:t>
+              <a:t>.</a:t>
             </a:r>
             <a:endParaRPr lang="ru-RU" dirty="0">
               <a:latin typeface="Times New Roman" panose="02020603050405020304" pitchFamily="18" charset="0"/>
@@ -8564,7 +9355,7 @@
 </p:sld>
 </file>
 
-<file path=ppt/slides/slide3.xml><?xml version="1.0" encoding="utf-8"?>
+<file path=ppt/slides/slide4.xml><?xml version="1.0" encoding="utf-8"?>
 <p:sld xmlns:a="http://schemas.openxmlformats.org/drawingml/2006/main" xmlns:r="http://schemas.openxmlformats.org/officeDocument/2006/relationships" xmlns:p="http://schemas.openxmlformats.org/presentationml/2006/main">
   <p:cSld>
     <p:bg>
@@ -8656,7 +9447,17 @@
                 <a:latin typeface="Times New Roman" panose="02020603050405020304" pitchFamily="18" charset="0"/>
                 <a:cs typeface="Times New Roman" panose="02020603050405020304" pitchFamily="18" charset="0"/>
               </a:rPr>
-              <a:t>РАССМОТРЕНИЕ МЕТОДОВ ПОСТРОЕНИЯ СИСТЕМЫ ПРИНЯТИЯ РЕШЕНИЙ</a:t>
+              <a:t>РОЗГЛЯД </a:t>
+            </a:r>
+            <a:r>
+              <a:rPr lang="ru-RU" sz="2000" b="1" spc="100" dirty="0">
+                <a:solidFill>
+                  <a:schemeClr val="bg1"/>
+                </a:solidFill>
+                <a:latin typeface="Times New Roman" panose="02020603050405020304" pitchFamily="18" charset="0"/>
+                <a:cs typeface="Times New Roman" panose="02020603050405020304" pitchFamily="18" charset="0"/>
+              </a:rPr>
+              <a:t>МЕТОДІВ ПОБУДОВИ СИСТЕМИ ПРИЙНЯТТЯ РІШЕНЬ</a:t>
             </a:r>
             <a:endParaRPr lang="en-US" sz="2000" b="1" spc="100" dirty="0" smtClean="0">
               <a:solidFill>
@@ -8728,8 +9529,8 @@
         </p:nvSpPr>
         <p:spPr bwMode="auto">
           <a:xfrm>
-            <a:off x="702644" y="1121789"/>
-            <a:ext cx="5407948" cy="2850396"/>
+            <a:off x="702644" y="1092743"/>
+            <a:ext cx="5407948" cy="2908489"/>
           </a:xfrm>
           <a:prstGeom prst="rect">
             <a:avLst/>
@@ -8786,28 +9587,31 @@
               <a:buChar char="•"/>
             </a:pPr>
             <a:r>
-              <a:rPr kumimoji="0" lang="ru-RU" altLang="ru-RU" sz="2100" b="0" i="0" u="none" strike="noStrike" cap="none" normalizeH="0" baseline="0" dirty="0" smtClean="0">
-                <a:ln>
-                  <a:noFill/>
-                </a:ln>
+              <a:rPr lang="uk-UA" altLang="ru-RU" sz="2100" dirty="0" smtClean="0">
                 <a:solidFill>
                   <a:srgbClr val="212121"/>
                 </a:solidFill>
-                <a:effectLst/>
-                <a:latin typeface="Times New Roman" panose="02020603050405020304" pitchFamily="18" charset="0"/>
-                <a:cs typeface="Times New Roman" panose="02020603050405020304" pitchFamily="18" charset="0"/>
-              </a:rPr>
-              <a:t>Рассуждения на основе прецедентов</a:t>
-            </a:r>
-            <a:endParaRPr kumimoji="0" lang="ru-RU" altLang="ru-RU" sz="2100" b="0" i="0" u="none" strike="noStrike" cap="none" normalizeH="0" baseline="0" dirty="0" smtClean="0">
-              <a:ln>
-                <a:noFill/>
-              </a:ln>
+                <a:latin typeface="Times New Roman" panose="02020603050405020304" pitchFamily="18" charset="0"/>
+                <a:cs typeface="Times New Roman" panose="02020603050405020304" pitchFamily="18" charset="0"/>
+              </a:rPr>
+              <a:t>Міркування на основі прецедентів</a:t>
+            </a:r>
+            <a:r>
+              <a:rPr lang="en-US" altLang="ru-RU" sz="2100" dirty="0">
+                <a:solidFill>
+                  <a:srgbClr val="212121"/>
+                </a:solidFill>
+                <a:latin typeface="Times New Roman" panose="02020603050405020304" pitchFamily="18" charset="0"/>
+                <a:cs typeface="Times New Roman" panose="02020603050405020304" pitchFamily="18" charset="0"/>
+              </a:rPr>
+              <a:t>;</a:t>
+            </a:r>
+            <a:endParaRPr lang="uk-UA" altLang="ru-RU" sz="2100" dirty="0" smtClean="0">
               <a:solidFill>
                 <a:srgbClr val="212121"/>
               </a:solidFill>
-              <a:effectLst/>
-              <a:latin typeface="inherit"/>
+              <a:latin typeface="Times New Roman" panose="02020603050405020304" pitchFamily="18" charset="0"/>
+              <a:cs typeface="Times New Roman" panose="02020603050405020304" pitchFamily="18" charset="0"/>
             </a:endParaRPr>
           </a:p>
           <a:p>
@@ -8825,29 +9629,32 @@
               <a:buChar char="•"/>
             </a:pPr>
             <a:r>
-              <a:rPr lang="ru-RU" altLang="ru-RU" sz="2100" dirty="0">
+              <a:rPr lang="uk-UA" altLang="ru-RU" sz="2100" dirty="0" smtClean="0">
                 <a:solidFill>
                   <a:srgbClr val="212121"/>
                 </a:solidFill>
                 <a:latin typeface="Times New Roman" panose="02020603050405020304" pitchFamily="18" charset="0"/>
                 <a:cs typeface="Times New Roman" panose="02020603050405020304" pitchFamily="18" charset="0"/>
               </a:rPr>
-              <a:t>И</a:t>
-            </a:r>
-            <a:r>
-              <a:rPr kumimoji="0" lang="ru-RU" altLang="ru-RU" sz="2100" b="0" i="0" u="none" strike="noStrike" cap="none" normalizeH="0" baseline="0" dirty="0" smtClean="0">
-                <a:ln>
-                  <a:noFill/>
-                </a:ln>
+              <a:t>Імітаційне моделювання</a:t>
+            </a:r>
+            <a:r>
+              <a:rPr lang="en-US" altLang="ru-RU" sz="2100" dirty="0" smtClean="0">
                 <a:solidFill>
                   <a:srgbClr val="212121"/>
                 </a:solidFill>
-                <a:effectLst/>
-                <a:latin typeface="Times New Roman" panose="02020603050405020304" pitchFamily="18" charset="0"/>
-                <a:cs typeface="Times New Roman" panose="02020603050405020304" pitchFamily="18" charset="0"/>
-              </a:rPr>
-              <a:t>митационное моделирование</a:t>
-            </a:r>
+                <a:latin typeface="Times New Roman" panose="02020603050405020304" pitchFamily="18" charset="0"/>
+                <a:cs typeface="Times New Roman" panose="02020603050405020304" pitchFamily="18" charset="0"/>
+              </a:rPr>
+              <a:t>;</a:t>
+            </a:r>
+            <a:endParaRPr lang="uk-UA" altLang="ru-RU" sz="2100" dirty="0" smtClean="0">
+              <a:solidFill>
+                <a:srgbClr val="212121"/>
+              </a:solidFill>
+              <a:latin typeface="Times New Roman" panose="02020603050405020304" pitchFamily="18" charset="0"/>
+              <a:cs typeface="Times New Roman" panose="02020603050405020304" pitchFamily="18" charset="0"/>
+            </a:endParaRPr>
           </a:p>
           <a:p>
             <a:pPr marL="342900" lvl="0" indent="-342900" eaLnBrk="0" fontAlgn="base" hangingPunct="0">
@@ -8864,29 +9671,36 @@
               <a:buChar char="•"/>
             </a:pPr>
             <a:r>
-              <a:rPr lang="ru-RU" altLang="ru-RU" sz="2100" dirty="0">
+              <a:rPr lang="uk-UA" altLang="ru-RU" sz="2100" dirty="0" smtClean="0">
                 <a:solidFill>
                   <a:srgbClr val="212121"/>
                 </a:solidFill>
                 <a:latin typeface="Times New Roman" panose="02020603050405020304" pitchFamily="18" charset="0"/>
                 <a:cs typeface="Times New Roman" panose="02020603050405020304" pitchFamily="18" charset="0"/>
               </a:rPr>
-              <a:t>К</a:t>
-            </a:r>
-            <a:r>
-              <a:rPr kumimoji="0" lang="ru-RU" altLang="ru-RU" sz="2100" b="0" i="0" u="none" strike="noStrike" cap="none" normalizeH="0" baseline="0" dirty="0" smtClean="0">
-                <a:ln>
-                  <a:noFill/>
-                </a:ln>
+              <a:t>Когнітивне моделювання</a:t>
+            </a:r>
+            <a:r>
+              <a:rPr lang="en-US" altLang="ru-RU" sz="2100" dirty="0" smtClean="0">
                 <a:solidFill>
                   <a:srgbClr val="212121"/>
                 </a:solidFill>
-                <a:effectLst/>
-                <a:latin typeface="Times New Roman" panose="02020603050405020304" pitchFamily="18" charset="0"/>
-                <a:cs typeface="Times New Roman" panose="02020603050405020304" pitchFamily="18" charset="0"/>
-              </a:rPr>
-              <a:t>огнитивное моделирование</a:t>
-            </a:r>
+                <a:latin typeface="Times New Roman" panose="02020603050405020304" pitchFamily="18" charset="0"/>
+                <a:cs typeface="Times New Roman" panose="02020603050405020304" pitchFamily="18" charset="0"/>
+              </a:rPr>
+              <a:t>;</a:t>
+            </a:r>
+            <a:endParaRPr kumimoji="0" lang="uk-UA" altLang="ru-RU" sz="2100" b="0" i="0" u="none" strike="noStrike" cap="none" normalizeH="0" baseline="0" dirty="0" smtClean="0">
+              <a:ln>
+                <a:noFill/>
+              </a:ln>
+              <a:solidFill>
+                <a:srgbClr val="212121"/>
+              </a:solidFill>
+              <a:effectLst/>
+              <a:latin typeface="Times New Roman" panose="02020603050405020304" pitchFamily="18" charset="0"/>
+              <a:cs typeface="Times New Roman" panose="02020603050405020304" pitchFamily="18" charset="0"/>
+            </a:endParaRPr>
           </a:p>
           <a:p>
             <a:pPr marL="342900" lvl="0" indent="-342900" eaLnBrk="0" fontAlgn="base" hangingPunct="0">
@@ -8903,19 +9717,36 @@
               <a:buChar char="•"/>
             </a:pPr>
             <a:r>
-              <a:rPr kumimoji="0" lang="ru-RU" altLang="ru-RU" sz="2100" b="0" i="0" u="none" strike="noStrike" cap="none" normalizeH="0" baseline="0" dirty="0" smtClean="0">
-                <a:ln>
-                  <a:noFill/>
-                </a:ln>
+              <a:rPr lang="uk-UA" altLang="ru-RU" sz="2100" dirty="0" smtClean="0">
                 <a:solidFill>
                   <a:srgbClr val="4E67C8"/>
                 </a:solidFill>
-                <a:effectLst/>
-                <a:latin typeface="Times New Roman" panose="02020603050405020304" pitchFamily="18" charset="0"/>
-                <a:cs typeface="Times New Roman" panose="02020603050405020304" pitchFamily="18" charset="0"/>
-              </a:rPr>
-              <a:t>Генетический алгоритм</a:t>
-            </a:r>
+                <a:latin typeface="Times New Roman" panose="02020603050405020304" pitchFamily="18" charset="0"/>
+                <a:cs typeface="Times New Roman" panose="02020603050405020304" pitchFamily="18" charset="0"/>
+              </a:rPr>
+              <a:t>Генетичний алгоритм</a:t>
+            </a:r>
+            <a:r>
+              <a:rPr lang="en-US" altLang="ru-RU" sz="2100" dirty="0" smtClean="0">
+                <a:solidFill>
+                  <a:srgbClr val="4E67C8"/>
+                </a:solidFill>
+                <a:latin typeface="Times New Roman" panose="02020603050405020304" pitchFamily="18" charset="0"/>
+                <a:cs typeface="Times New Roman" panose="02020603050405020304" pitchFamily="18" charset="0"/>
+              </a:rPr>
+              <a:t>;</a:t>
+            </a:r>
+            <a:endParaRPr kumimoji="0" lang="ru-RU" altLang="ru-RU" sz="2100" b="0" i="0" u="none" strike="noStrike" cap="none" normalizeH="0" baseline="0" dirty="0" smtClean="0">
+              <a:ln>
+                <a:noFill/>
+              </a:ln>
+              <a:solidFill>
+                <a:srgbClr val="4E67C8"/>
+              </a:solidFill>
+              <a:effectLst/>
+              <a:latin typeface="Times New Roman" panose="02020603050405020304" pitchFamily="18" charset="0"/>
+              <a:cs typeface="Times New Roman" panose="02020603050405020304" pitchFamily="18" charset="0"/>
+            </a:endParaRPr>
           </a:p>
           <a:p>
             <a:pPr marL="342900" lvl="0" indent="-342900" eaLnBrk="0" fontAlgn="base" hangingPunct="0">
@@ -8932,19 +9763,36 @@
               <a:buChar char="•"/>
             </a:pPr>
             <a:r>
-              <a:rPr kumimoji="0" lang="ru-RU" altLang="ru-RU" sz="2100" b="0" i="0" u="none" strike="noStrike" cap="none" normalizeH="0" baseline="0" dirty="0" smtClean="0">
-                <a:ln>
-                  <a:noFill/>
-                </a:ln>
+              <a:rPr lang="uk-UA" altLang="ru-RU" sz="2100" dirty="0" smtClean="0">
                 <a:solidFill>
                   <a:srgbClr val="212121"/>
                 </a:solidFill>
-                <a:effectLst/>
-                <a:latin typeface="Times New Roman" panose="02020603050405020304" pitchFamily="18" charset="0"/>
-                <a:cs typeface="Times New Roman" panose="02020603050405020304" pitchFamily="18" charset="0"/>
-              </a:rPr>
-              <a:t>Нейронные сети и системы с нечеткой логикой</a:t>
-            </a:r>
+                <a:latin typeface="Times New Roman" panose="02020603050405020304" pitchFamily="18" charset="0"/>
+                <a:cs typeface="Times New Roman" panose="02020603050405020304" pitchFamily="18" charset="0"/>
+              </a:rPr>
+              <a:t>Нейронні мережі та системи з нечіткою логікою</a:t>
+            </a:r>
+            <a:r>
+              <a:rPr lang="en-US" altLang="ru-RU" sz="2100" dirty="0" smtClean="0">
+                <a:solidFill>
+                  <a:srgbClr val="212121"/>
+                </a:solidFill>
+                <a:latin typeface="Times New Roman" panose="02020603050405020304" pitchFamily="18" charset="0"/>
+                <a:cs typeface="Times New Roman" panose="02020603050405020304" pitchFamily="18" charset="0"/>
+              </a:rPr>
+              <a:t>.</a:t>
+            </a:r>
+            <a:endParaRPr kumimoji="0" lang="ru-RU" altLang="ru-RU" sz="2100" b="0" i="0" u="none" strike="noStrike" cap="none" normalizeH="0" baseline="0" dirty="0" smtClean="0">
+              <a:ln>
+                <a:noFill/>
+              </a:ln>
+              <a:solidFill>
+                <a:srgbClr val="212121"/>
+              </a:solidFill>
+              <a:effectLst/>
+              <a:latin typeface="Times New Roman" panose="02020603050405020304" pitchFamily="18" charset="0"/>
+              <a:cs typeface="Times New Roman" panose="02020603050405020304" pitchFamily="18" charset="0"/>
+            </a:endParaRPr>
           </a:p>
         </p:txBody>
       </p:sp>
@@ -8957,7 +9805,7 @@
         <p:spPr>
           <a:xfrm>
             <a:off x="537564" y="3738208"/>
-            <a:ext cx="11146055" cy="2677656"/>
+            <a:ext cx="11146055" cy="2215991"/>
           </a:xfrm>
           <a:prstGeom prst="rect">
             <a:avLst/>
@@ -8982,9 +9830,16 @@
                 <a:latin typeface="Times New Roman" panose="02020603050405020304" pitchFamily="18" charset="0"/>
                 <a:cs typeface="Times New Roman" panose="02020603050405020304" pitchFamily="18" charset="0"/>
               </a:rPr>
-              <a:t>	Генетические алгоритмы применяются для решения сложных неформализованных задач, для которых не разработаны специальных методов. Они универсальны, имеют ряд преимуществ по сравнению с другими методами при больших размерах задач и отсутствии упорядоченности в исходных данных, хорошо работают при решении проблем оптимизации, просты и прозрачны в реализации.</a:t>
-            </a:r>
-            <a:endParaRPr lang="ru-RU" sz="2000" dirty="0">
+              <a:t>	</a:t>
+            </a:r>
+            <a:r>
+              <a:rPr lang="uk-UA" sz="2000" dirty="0" smtClean="0">
+                <a:latin typeface="Times New Roman" panose="02020603050405020304" pitchFamily="18" charset="0"/>
+                <a:cs typeface="Times New Roman" panose="02020603050405020304" pitchFamily="18" charset="0"/>
+              </a:rPr>
+              <a:t>Генетичні алгоритми застосовуються для вирішення складних неформалізованих задач, для яких не розроблені спеціальних методів. Вони універсальні, мають ряд переваг в порівнянні з іншими методами при великих розмірах завдань і відсутності впорядкованості у вихідних даних, добре працюють при вирішенні проблем оптимізації, прості і прозорі в реалізації.</a:t>
+            </a:r>
+            <a:endParaRPr lang="uk-UA" sz="2000" dirty="0">
               <a:latin typeface="Times New Roman" panose="02020603050405020304" pitchFamily="18" charset="0"/>
               <a:cs typeface="Times New Roman" panose="02020603050405020304" pitchFamily="18" charset="0"/>
             </a:endParaRPr>
@@ -9052,7 +9907,7 @@
 </p:sld>
 </file>
 
-<file path=ppt/slides/slide4.xml><?xml version="1.0" encoding="utf-8"?>
+<file path=ppt/slides/slide5.xml><?xml version="1.0" encoding="utf-8"?>
 <p:sld xmlns:a="http://schemas.openxmlformats.org/drawingml/2006/main" xmlns:r="http://schemas.openxmlformats.org/officeDocument/2006/relationships" xmlns:p="http://schemas.openxmlformats.org/presentationml/2006/main">
   <p:cSld>
     <p:bg>
@@ -9144,7 +9999,17 @@
                 <a:latin typeface="Times New Roman" panose="02020603050405020304" pitchFamily="18" charset="0"/>
                 <a:cs typeface="Times New Roman" panose="02020603050405020304" pitchFamily="18" charset="0"/>
               </a:rPr>
-              <a:t>СХЕМА РАБОТЫ ГЕНЕТИЧЕСКОГО АЛГОРИТМА</a:t>
+              <a:t> </a:t>
+            </a:r>
+            <a:r>
+              <a:rPr lang="ru-RU" sz="2000" b="1" spc="100" dirty="0" smtClean="0">
+                <a:solidFill>
+                  <a:schemeClr val="bg1"/>
+                </a:solidFill>
+                <a:latin typeface="Times New Roman" panose="02020603050405020304" pitchFamily="18" charset="0"/>
+                <a:cs typeface="Times New Roman" panose="02020603050405020304" pitchFamily="18" charset="0"/>
+              </a:rPr>
+              <a:t>СХЕМА РОБОТИ ГЕНЕТИЧНОГО АЛГОРИТМУ</a:t>
             </a:r>
             <a:endParaRPr lang="en-US" sz="2000" b="1" spc="100" dirty="0" smtClean="0">
               <a:solidFill>
@@ -9365,74 +10230,74 @@
               <a:buAutoNum type="arabicPeriod"/>
             </a:pPr>
             <a:r>
-              <a:rPr lang="ru-RU" sz="2000" b="1" dirty="0" smtClean="0">
-                <a:latin typeface="Times New Roman" panose="02020603050405020304" pitchFamily="18" charset="0"/>
-                <a:cs typeface="Times New Roman" panose="02020603050405020304" pitchFamily="18" charset="0"/>
-              </a:rPr>
-              <a:t>Создание начальной популяции. </a:t>
+              <a:rPr lang="uk-UA" sz="2000" b="1" dirty="0" smtClean="0">
+                <a:latin typeface="Times New Roman" panose="02020603050405020304" pitchFamily="18" charset="0"/>
+                <a:cs typeface="Times New Roman" panose="02020603050405020304" pitchFamily="18" charset="0"/>
+              </a:rPr>
+              <a:t>Створення початкової популяції. </a:t>
+            </a:r>
+            <a:r>
+              <a:rPr lang="uk-UA" sz="2000" dirty="0" smtClean="0">
+                <a:latin typeface="Times New Roman" panose="02020603050405020304" pitchFamily="18" charset="0"/>
+                <a:cs typeface="Times New Roman" panose="02020603050405020304" pitchFamily="18" charset="0"/>
+              </a:rPr>
+              <a:t>Деяким, часто випадковим, чином формується перше покоління</a:t>
             </a:r>
             <a:r>
               <a:rPr lang="ru-RU" sz="2000" dirty="0" smtClean="0">
                 <a:latin typeface="Times New Roman" panose="02020603050405020304" pitchFamily="18" charset="0"/>
                 <a:cs typeface="Times New Roman" panose="02020603050405020304" pitchFamily="18" charset="0"/>
               </a:rPr>
-              <a:t>Некоторым</a:t>
+              <a:t>, </a:t>
+            </a:r>
+            <a:r>
+              <a:rPr lang="uk-UA" sz="2000" dirty="0" smtClean="0">
+                <a:latin typeface="Times New Roman" panose="02020603050405020304" pitchFamily="18" charset="0"/>
+                <a:cs typeface="Times New Roman" panose="02020603050405020304" pitchFamily="18" charset="0"/>
+              </a:rPr>
+              <a:t>що складається</a:t>
+            </a:r>
+            <a:r>
+              <a:rPr lang="ru-RU" sz="2000" dirty="0" smtClean="0">
+                <a:latin typeface="Times New Roman" panose="02020603050405020304" pitchFamily="18" charset="0"/>
+                <a:cs typeface="Times New Roman" panose="02020603050405020304" pitchFamily="18" charset="0"/>
+              </a:rPr>
+              <a:t> </a:t>
             </a:r>
             <a:r>
               <a:rPr lang="ru-RU" sz="2000" dirty="0">
                 <a:latin typeface="Times New Roman" panose="02020603050405020304" pitchFamily="18" charset="0"/>
                 <a:cs typeface="Times New Roman" panose="02020603050405020304" pitchFamily="18" charset="0"/>
               </a:rPr>
-              <a:t>, часто случайным, </a:t>
+              <a:t>з </a:t>
+            </a:r>
+            <a:r>
+              <a:rPr lang="en-US" sz="2000" dirty="0">
+                <a:latin typeface="Times New Roman" panose="02020603050405020304" pitchFamily="18" charset="0"/>
+                <a:cs typeface="Times New Roman" panose="02020603050405020304" pitchFamily="18" charset="0"/>
+              </a:rPr>
+              <a:t>N </a:t>
+            </a:r>
+            <a:r>
+              <a:rPr lang="ru-RU" sz="2000" dirty="0">
+                <a:latin typeface="Times New Roman" panose="02020603050405020304" pitchFamily="18" charset="0"/>
+                <a:cs typeface="Times New Roman" panose="02020603050405020304" pitchFamily="18" charset="0"/>
+              </a:rPr>
+              <a:t>хромосом. </a:t>
+            </a:r>
+            <a:r>
+              <a:rPr lang="uk-UA" sz="2000" dirty="0" smtClean="0">
+                <a:latin typeface="Times New Roman" panose="02020603050405020304" pitchFamily="18" charset="0"/>
+                <a:cs typeface="Times New Roman" panose="02020603050405020304" pitchFamily="18" charset="0"/>
+              </a:rPr>
+              <a:t>Кожна з особин в популяції оцінюється з використанням функції пристосованості (фітнес-функції)</a:t>
             </a:r>
             <a:r>
               <a:rPr lang="ru-RU" sz="2000" dirty="0" smtClean="0">
                 <a:latin typeface="Times New Roman" panose="02020603050405020304" pitchFamily="18" charset="0"/>
                 <a:cs typeface="Times New Roman" panose="02020603050405020304" pitchFamily="18" charset="0"/>
               </a:rPr>
-              <a:t>образом формируется </a:t>
-            </a:r>
-            <a:r>
-              <a:rPr lang="ru-RU" sz="2000" dirty="0">
-                <a:latin typeface="Times New Roman" panose="02020603050405020304" pitchFamily="18" charset="0"/>
-                <a:cs typeface="Times New Roman" panose="02020603050405020304" pitchFamily="18" charset="0"/>
-              </a:rPr>
-              <a:t>первое поколение, состоящее из </a:t>
-            </a:r>
-            <a:r>
-              <a:rPr lang="en-US" sz="2000" dirty="0">
-                <a:latin typeface="Times New Roman" panose="02020603050405020304" pitchFamily="18" charset="0"/>
-                <a:cs typeface="Times New Roman" panose="02020603050405020304" pitchFamily="18" charset="0"/>
-              </a:rPr>
-              <a:t>N</a:t>
-            </a:r>
-            <a:r>
-              <a:rPr lang="ru-RU" sz="2000" dirty="0">
-                <a:latin typeface="Times New Roman" panose="02020603050405020304" pitchFamily="18" charset="0"/>
-                <a:cs typeface="Times New Roman" panose="02020603050405020304" pitchFamily="18" charset="0"/>
-              </a:rPr>
-              <a:t> хромосом.</a:t>
-            </a:r>
-            <a:r>
-              <a:rPr lang="ru-RU" sz="2000" dirty="0" smtClean="0">
-                <a:latin typeface="Times New Roman" panose="02020603050405020304" pitchFamily="18" charset="0"/>
-                <a:cs typeface="Times New Roman" panose="02020603050405020304" pitchFamily="18" charset="0"/>
-              </a:rPr>
-              <a:t> Каждая из особей в популяции оценивается с использованием функции приспособленности (</a:t>
-            </a:r>
-            <a:r>
-              <a:rPr lang="en-US" sz="2000" dirty="0" smtClean="0">
-                <a:latin typeface="Times New Roman" panose="02020603050405020304" pitchFamily="18" charset="0"/>
-                <a:cs typeface="Times New Roman" panose="02020603050405020304" pitchFamily="18" charset="0"/>
-              </a:rPr>
-              <a:t>fitness function</a:t>
-            </a:r>
-            <a:r>
-              <a:rPr lang="ru-RU" sz="2000" dirty="0" smtClean="0">
-                <a:latin typeface="Times New Roman" panose="02020603050405020304" pitchFamily="18" charset="0"/>
-                <a:cs typeface="Times New Roman" panose="02020603050405020304" pitchFamily="18" charset="0"/>
-              </a:rPr>
-              <a:t>).</a:t>
+              <a:t>.</a:t>
             </a:r>
           </a:p>
           <a:p>
@@ -9440,7 +10305,7 @@
               <a:buFontTx/>
               <a:buAutoNum type="arabicPeriod"/>
             </a:pPr>
-            <a:endParaRPr lang="ru-RU" sz="2000" b="1" dirty="0">
+            <a:endParaRPr lang="ru-RU" sz="2000" dirty="0" smtClean="0">
               <a:latin typeface="Times New Roman" panose="02020603050405020304" pitchFamily="18" charset="0"/>
               <a:cs typeface="Times New Roman" panose="02020603050405020304" pitchFamily="18" charset="0"/>
             </a:endParaRPr>
@@ -9451,92 +10316,60 @@
               <a:buAutoNum type="arabicPeriod"/>
             </a:pPr>
             <a:r>
+              <a:rPr lang="uk-UA" sz="2000" b="1" dirty="0" smtClean="0">
+                <a:latin typeface="Times New Roman" panose="02020603050405020304" pitchFamily="18" charset="0"/>
+                <a:cs typeface="Times New Roman" panose="02020603050405020304" pitchFamily="18" charset="0"/>
+              </a:rPr>
+              <a:t>Селекція</a:t>
+            </a:r>
+            <a:r>
               <a:rPr lang="ru-RU" sz="2000" b="1" dirty="0" smtClean="0">
                 <a:latin typeface="Times New Roman" panose="02020603050405020304" pitchFamily="18" charset="0"/>
                 <a:cs typeface="Times New Roman" panose="02020603050405020304" pitchFamily="18" charset="0"/>
               </a:rPr>
-              <a:t>Селекция</a:t>
-            </a:r>
-            <a:r>
-              <a:rPr lang="ru-RU" sz="2000" b="1" dirty="0">
-                <a:latin typeface="Times New Roman" panose="02020603050405020304" pitchFamily="18" charset="0"/>
-                <a:cs typeface="Times New Roman" panose="02020603050405020304" pitchFamily="18" charset="0"/>
-              </a:rPr>
               <a:t>. </a:t>
             </a:r>
             <a:r>
-              <a:rPr lang="ru-RU" sz="2000" dirty="0">
-                <a:latin typeface="Times New Roman" panose="02020603050405020304" pitchFamily="18" charset="0"/>
-                <a:cs typeface="Times New Roman" panose="02020603050405020304" pitchFamily="18" charset="0"/>
-              </a:rPr>
-              <a:t>Выбираются </a:t>
-            </a:r>
-            <a:r>
-              <a:rPr lang="ru-RU" sz="2000" dirty="0" smtClean="0">
-                <a:latin typeface="Times New Roman" panose="02020603050405020304" pitchFamily="18" charset="0"/>
-                <a:cs typeface="Times New Roman" panose="02020603050405020304" pitchFamily="18" charset="0"/>
-              </a:rPr>
-              <a:t> наиболее приспособленные особи </a:t>
-            </a:r>
-            <a:r>
-              <a:rPr lang="ru-RU" sz="2000" dirty="0">
-                <a:latin typeface="Times New Roman" panose="02020603050405020304" pitchFamily="18" charset="0"/>
-                <a:cs typeface="Times New Roman" panose="02020603050405020304" pitchFamily="18" charset="0"/>
-              </a:rPr>
-              <a:t>для последующего размножения и </a:t>
-            </a:r>
-            <a:r>
-              <a:rPr lang="ru-RU" sz="2000" dirty="0" smtClean="0">
-                <a:latin typeface="Times New Roman" panose="02020603050405020304" pitchFamily="18" charset="0"/>
-                <a:cs typeface="Times New Roman" panose="02020603050405020304" pitchFamily="18" charset="0"/>
-              </a:rPr>
-              <a:t>мутации.</a:t>
+              <a:rPr lang="uk-UA" sz="2000" dirty="0" smtClean="0">
+                <a:latin typeface="Times New Roman" panose="02020603050405020304" pitchFamily="18" charset="0"/>
+                <a:cs typeface="Times New Roman" panose="02020603050405020304" pitchFamily="18" charset="0"/>
+              </a:rPr>
+              <a:t>Вибираються найбільш пристосовані особини для подальшого розмноження і мутації.</a:t>
             </a:r>
           </a:p>
           <a:p>
             <a:pPr marL="457200" indent="-457200" algn="just">
+              <a:buFontTx/>
               <a:buAutoNum type="arabicPeriod"/>
             </a:pPr>
-            <a:endParaRPr lang="ru-RU" sz="2000" b="1" dirty="0">
+            <a:endParaRPr lang="uk-UA" sz="2000" b="1" dirty="0">
               <a:latin typeface="Times New Roman" panose="02020603050405020304" pitchFamily="18" charset="0"/>
               <a:cs typeface="Times New Roman" panose="02020603050405020304" pitchFamily="18" charset="0"/>
             </a:endParaRPr>
           </a:p>
           <a:p>
             <a:pPr marL="457200" indent="-457200" algn="just">
+              <a:buFontTx/>
               <a:buAutoNum type="arabicPeriod"/>
             </a:pPr>
             <a:r>
-              <a:rPr lang="ru-RU" sz="2000" b="1" dirty="0" smtClean="0">
-                <a:latin typeface="Times New Roman" panose="02020603050405020304" pitchFamily="18" charset="0"/>
-                <a:cs typeface="Times New Roman" panose="02020603050405020304" pitchFamily="18" charset="0"/>
-              </a:rPr>
-              <a:t>Размножение </a:t>
-            </a:r>
-            <a:r>
-              <a:rPr lang="ru-RU" sz="2000" b="1" dirty="0">
-                <a:latin typeface="Times New Roman" panose="02020603050405020304" pitchFamily="18" charset="0"/>
-                <a:cs typeface="Times New Roman" panose="02020603050405020304" pitchFamily="18" charset="0"/>
-              </a:rPr>
-              <a:t>и мутация. </a:t>
-            </a:r>
-            <a:r>
-              <a:rPr lang="ru-RU" sz="2000" dirty="0">
-                <a:latin typeface="Times New Roman" panose="02020603050405020304" pitchFamily="18" charset="0"/>
-                <a:cs typeface="Times New Roman" panose="02020603050405020304" pitchFamily="18" charset="0"/>
-              </a:rPr>
-              <a:t>К отобранным особям попарно применяются генетические операторы «скрещивание» и, с некоторой вероятностью, «мутация», что приводит к получению новых решений</a:t>
-            </a:r>
-            <a:r>
-              <a:rPr lang="ru-RU" sz="2000" dirty="0" smtClean="0">
-                <a:latin typeface="Times New Roman" panose="02020603050405020304" pitchFamily="18" charset="0"/>
-                <a:cs typeface="Times New Roman" panose="02020603050405020304" pitchFamily="18" charset="0"/>
-              </a:rPr>
-              <a:t>.</a:t>
+              <a:rPr lang="uk-UA" sz="2000" b="1" dirty="0" smtClean="0">
+                <a:latin typeface="Times New Roman" panose="02020603050405020304" pitchFamily="18" charset="0"/>
+                <a:cs typeface="Times New Roman" panose="02020603050405020304" pitchFamily="18" charset="0"/>
+              </a:rPr>
+              <a:t>Розмноження і мутація. </a:t>
+            </a:r>
+            <a:r>
+              <a:rPr lang="uk-UA" sz="2000" dirty="0" smtClean="0">
+                <a:latin typeface="Times New Roman" panose="02020603050405020304" pitchFamily="18" charset="0"/>
+                <a:cs typeface="Times New Roman" panose="02020603050405020304" pitchFamily="18" charset="0"/>
+              </a:rPr>
+              <a:t>До відібраних особинам попарно застосовуються генетичні оператори «схрещування» і, з певною ймовірністю, «мутація», що призводить до отримання нових рішень.</a:t>
             </a:r>
           </a:p>
           <a:p>
             <a:pPr marL="457200" indent="-457200" algn="just">
+              <a:buFontTx/>
               <a:buAutoNum type="arabicPeriod"/>
             </a:pPr>
             <a:endParaRPr lang="ru-RU" sz="2000" dirty="0">
@@ -9549,27 +10382,20 @@
               <a:buAutoNum type="arabicPeriod"/>
             </a:pPr>
             <a:r>
-              <a:rPr lang="ru-RU" sz="2000" b="1" dirty="0" smtClean="0">
-                <a:latin typeface="Times New Roman" panose="02020603050405020304" pitchFamily="18" charset="0"/>
-                <a:cs typeface="Times New Roman" panose="02020603050405020304" pitchFamily="18" charset="0"/>
-              </a:rPr>
-              <a:t>Проверка </a:t>
-            </a:r>
-            <a:r>
-              <a:rPr lang="ru-RU" sz="2000" b="1" dirty="0">
-                <a:latin typeface="Times New Roman" panose="02020603050405020304" pitchFamily="18" charset="0"/>
-                <a:cs typeface="Times New Roman" panose="02020603050405020304" pitchFamily="18" charset="0"/>
-              </a:rPr>
-              <a:t>того, выполнен ли критерий остановки алгоритма. </a:t>
-            </a:r>
-            <a:r>
-              <a:rPr lang="ru-RU" sz="2000" dirty="0">
-                <a:latin typeface="Times New Roman" panose="02020603050405020304" pitchFamily="18" charset="0"/>
-                <a:cs typeface="Times New Roman" panose="02020603050405020304" pitchFamily="18" charset="0"/>
-              </a:rPr>
-              <a:t>В качестве подобного критерия может выступать нахождение глобального решения, а также исчерпывание числа поколений либо времени, отведенного на работу алгоритма. </a:t>
-            </a:r>
-            <a:endParaRPr lang="ru-RU" sz="2000" dirty="0" smtClean="0">
+              <a:rPr lang="uk-UA" sz="2000" b="1" dirty="0" smtClean="0">
+                <a:latin typeface="Times New Roman" panose="02020603050405020304" pitchFamily="18" charset="0"/>
+                <a:cs typeface="Times New Roman" panose="02020603050405020304" pitchFamily="18" charset="0"/>
+              </a:rPr>
+              <a:t>Перевірка того, чи виконаний критерій зупинки алгоритму. </a:t>
+            </a:r>
+            <a:r>
+              <a:rPr lang="uk-UA" sz="2000" dirty="0" smtClean="0">
+                <a:latin typeface="Times New Roman" panose="02020603050405020304" pitchFamily="18" charset="0"/>
+                <a:cs typeface="Times New Roman" panose="02020603050405020304" pitchFamily="18" charset="0"/>
+              </a:rPr>
+              <a:t>В якості подібного критерію може виступати знаходження глобального рішення, а також вичерпання числа поколінь або часу, відведеного на роботу алгоритму.</a:t>
+            </a:r>
+            <a:endParaRPr lang="uk-UA" sz="2000" dirty="0" smtClean="0">
               <a:latin typeface="Times New Roman" panose="02020603050405020304" pitchFamily="18" charset="0"/>
               <a:cs typeface="Times New Roman" panose="02020603050405020304" pitchFamily="18" charset="0"/>
             </a:endParaRPr>
@@ -9644,7 +10470,7 @@
 </p:sld>
 </file>
 
-<file path=ppt/slides/slide5.xml><?xml version="1.0" encoding="utf-8"?>
+<file path=ppt/slides/slide6.xml><?xml version="1.0" encoding="utf-8"?>
 <p:sld xmlns:a="http://schemas.openxmlformats.org/drawingml/2006/main" xmlns:r="http://schemas.openxmlformats.org/officeDocument/2006/relationships" xmlns:p="http://schemas.openxmlformats.org/presentationml/2006/main">
   <p:cSld>
     <p:bg>
@@ -10226,7 +11052,7 @@
 </p:sld>
 </file>
 
-<file path=ppt/slides/slide6.xml><?xml version="1.0" encoding="utf-8"?>
+<file path=ppt/slides/slide7.xml><?xml version="1.0" encoding="utf-8"?>
 <p:sld xmlns:a="http://schemas.openxmlformats.org/drawingml/2006/main" xmlns:r="http://schemas.openxmlformats.org/officeDocument/2006/relationships" xmlns:p="http://schemas.openxmlformats.org/presentationml/2006/main">
   <p:cSld>
     <p:bg>
@@ -10516,7 +11342,7 @@
           <a:graphicData uri="http://schemas.openxmlformats.org/presentationml/2006/ole">
             <mc:AlternateContent xmlns:mc="http://schemas.openxmlformats.org/markup-compatibility/2006">
               <mc:Choice xmlns:v="urn:schemas-microsoft-com:vml" Requires="v">
-                <p:oleObj spid="_x0000_s2325" name="Equation" r:id="rId3" imgW="1371600" imgH="482400" progId="Equation.DSMT4">
+                <p:oleObj spid="_x0000_s2391" name="Equation" r:id="rId3" imgW="1371600" imgH="482400" progId="Equation.DSMT4">
                   <p:embed/>
                 </p:oleObj>
               </mc:Choice>
@@ -10586,7 +11412,7 @@
           <a:graphicData uri="http://schemas.openxmlformats.org/presentationml/2006/ole">
             <mc:AlternateContent xmlns:mc="http://schemas.openxmlformats.org/markup-compatibility/2006">
               <mc:Choice xmlns:v="urn:schemas-microsoft-com:vml" Requires="v">
-                <p:oleObj spid="_x0000_s2326" name="Equation" r:id="rId5" imgW="304560" imgH="241200" progId="Equation.DSMT4">
+                <p:oleObj spid="_x0000_s2392" name="Equation" r:id="rId5" imgW="304560" imgH="241200" progId="Equation.DSMT4">
                   <p:embed/>
                 </p:oleObj>
               </mc:Choice>
@@ -10647,7 +11473,7 @@
           <a:graphicData uri="http://schemas.openxmlformats.org/presentationml/2006/ole">
             <mc:AlternateContent xmlns:mc="http://schemas.openxmlformats.org/markup-compatibility/2006">
               <mc:Choice xmlns:v="urn:schemas-microsoft-com:vml" Requires="v">
-                <p:oleObj spid="_x0000_s2327" name="Equation" r:id="rId7" imgW="380880" imgH="228600" progId="Equation.DSMT4">
+                <p:oleObj spid="_x0000_s2393" name="Equation" r:id="rId7" imgW="380880" imgH="228600" progId="Equation.DSMT4">
                   <p:embed/>
                 </p:oleObj>
               </mc:Choice>
@@ -10872,7 +11698,7 @@
 </p:sld>
 </file>
 
-<file path=ppt/slides/slide7.xml><?xml version="1.0" encoding="utf-8"?>
+<file path=ppt/slides/slide8.xml><?xml version="1.0" encoding="utf-8"?>
 <p:sld xmlns:a="http://schemas.openxmlformats.org/drawingml/2006/main" xmlns:r="http://schemas.openxmlformats.org/officeDocument/2006/relationships" xmlns:p="http://schemas.openxmlformats.org/presentationml/2006/main">
   <p:cSld>
     <p:bg>
@@ -11054,7 +11880,7 @@
 </p:sld>
 </file>
 
-<file path=ppt/slides/slide8.xml><?xml version="1.0" encoding="utf-8"?>
+<file path=ppt/slides/slide9.xml><?xml version="1.0" encoding="utf-8"?>
 <p:sld xmlns:a="http://schemas.openxmlformats.org/drawingml/2006/main" xmlns:r="http://schemas.openxmlformats.org/officeDocument/2006/relationships" xmlns:p="http://schemas.openxmlformats.org/presentationml/2006/main">
   <p:cSld>
     <p:bg>
@@ -11397,327 +12223,6 @@
     <p:extLst>
       <p:ext uri="{BB962C8B-B14F-4D97-AF65-F5344CB8AC3E}">
         <p14:creationId xmlns:p14="http://schemas.microsoft.com/office/powerpoint/2010/main" val="3877216630"/>
-      </p:ext>
-    </p:extLst>
-  </p:cSld>
-  <p:clrMapOvr>
-    <a:masterClrMapping/>
-  </p:clrMapOvr>
-  <p:timing>
-    <p:tnLst>
-      <p:par>
-        <p:cTn id="1" dur="indefinite" restart="never" nodeType="tmRoot"/>
-      </p:par>
-    </p:tnLst>
-  </p:timing>
-</p:sld>
-</file>
-
-<file path=ppt/slides/slide9.xml><?xml version="1.0" encoding="utf-8"?>
-<p:sld xmlns:a="http://schemas.openxmlformats.org/drawingml/2006/main" xmlns:r="http://schemas.openxmlformats.org/officeDocument/2006/relationships" xmlns:p="http://schemas.openxmlformats.org/presentationml/2006/main">
-  <p:cSld>
-    <p:bg>
-      <p:bgPr>
-        <a:gradFill>
-          <a:gsLst>
-            <a:gs pos="71000">
-              <a:schemeClr val="bg1"/>
-            </a:gs>
-            <a:gs pos="100000">
-              <a:srgbClr val="DCE4E7">
-                <a:lumMod val="96000"/>
-              </a:srgbClr>
-            </a:gs>
-          </a:gsLst>
-          <a:lin ang="5400000" scaled="1"/>
-        </a:gradFill>
-        <a:effectLst/>
-      </p:bgPr>
-    </p:bg>
-    <p:spTree>
-      <p:nvGrpSpPr>
-        <p:cNvPr id="1" name=""/>
-        <p:cNvGrpSpPr/>
-        <p:nvPr/>
-      </p:nvGrpSpPr>
-      <p:grpSpPr>
-        <a:xfrm>
-          <a:off x="0" y="0"/>
-          <a:ext cx="0" cy="0"/>
-          <a:chOff x="0" y="0"/>
-          <a:chExt cx="0" cy="0"/>
-        </a:xfrm>
-      </p:grpSpPr>
-      <p:sp>
-        <p:nvSpPr>
-          <p:cNvPr id="8" name="Прямоугольник 7"/>
-          <p:cNvSpPr/>
-          <p:nvPr/>
-        </p:nvSpPr>
-        <p:spPr>
-          <a:xfrm>
-            <a:off x="702644" y="295259"/>
-            <a:ext cx="11020926" cy="707886"/>
-          </a:xfrm>
-          <a:prstGeom prst="rect">
-            <a:avLst/>
-          </a:prstGeom>
-          <a:solidFill>
-            <a:srgbClr val="4E67C8"/>
-          </a:solidFill>
-          <a:effectLst>
-            <a:outerShdw blurRad="50800" dist="50800" dir="5400000" algn="ctr" rotWithShape="0">
-              <a:srgbClr val="000000">
-                <a:alpha val="0"/>
-              </a:srgbClr>
-            </a:outerShdw>
-            <a:reflection stA="0" endPos="65000" dist="50800" dir="5400000" sy="-100000" algn="bl" rotWithShape="0"/>
-            <a:softEdge rad="0"/>
-          </a:effectLst>
-          <a:scene3d>
-            <a:camera prst="orthographicFront"/>
-            <a:lightRig rig="threePt" dir="t"/>
-          </a:scene3d>
-          <a:sp3d prstMaterial="matte"/>
-        </p:spPr>
-        <p:txBody>
-          <a:bodyPr wrap="square">
-            <a:spAutoFit/>
-          </a:bodyPr>
-          <a:lstStyle/>
-          <a:p>
-            <a:pPr algn="ctr"/>
-            <a:endParaRPr lang="en-US" sz="1000" dirty="0" smtClean="0">
-              <a:solidFill>
-                <a:schemeClr val="bg1"/>
-              </a:solidFill>
-              <a:latin typeface="Times New Roman" panose="02020603050405020304" pitchFamily="18" charset="0"/>
-              <a:cs typeface="Times New Roman" panose="02020603050405020304" pitchFamily="18" charset="0"/>
-            </a:endParaRPr>
-          </a:p>
-          <a:p>
-            <a:pPr algn="ctr"/>
-            <a:r>
-              <a:rPr lang="uk-UA" sz="2000" b="1" spc="100" dirty="0" smtClean="0">
-                <a:solidFill>
-                  <a:schemeClr val="bg1"/>
-                </a:solidFill>
-                <a:latin typeface="Times New Roman" panose="02020603050405020304" pitchFamily="18" charset="0"/>
-                <a:cs typeface="Times New Roman" panose="02020603050405020304" pitchFamily="18" charset="0"/>
-              </a:rPr>
-              <a:t>ПРОВЕРКА СХОДИМОСТИ АЛГОРИТМА</a:t>
-            </a:r>
-            <a:endParaRPr lang="en-US" sz="2000" b="1" spc="100" dirty="0" smtClean="0">
-              <a:solidFill>
-                <a:schemeClr val="bg1"/>
-              </a:solidFill>
-              <a:latin typeface="Times New Roman" panose="02020603050405020304" pitchFamily="18" charset="0"/>
-              <a:cs typeface="Times New Roman" panose="02020603050405020304" pitchFamily="18" charset="0"/>
-            </a:endParaRPr>
-          </a:p>
-          <a:p>
-            <a:pPr algn="ctr"/>
-            <a:endParaRPr lang="ru-RU" sz="1000" dirty="0">
-              <a:solidFill>
-                <a:schemeClr val="bg1"/>
-              </a:solidFill>
-              <a:latin typeface="Times New Roman" panose="02020603050405020304" pitchFamily="18" charset="0"/>
-              <a:cs typeface="Times New Roman" panose="02020603050405020304" pitchFamily="18" charset="0"/>
-            </a:endParaRPr>
-          </a:p>
-        </p:txBody>
-      </p:sp>
-      <p:sp>
-        <p:nvSpPr>
-          <p:cNvPr id="10" name="Прямоугольник 9"/>
-          <p:cNvSpPr/>
-          <p:nvPr/>
-        </p:nvSpPr>
-        <p:spPr>
-          <a:xfrm>
-            <a:off x="3336758" y="5960419"/>
-            <a:ext cx="6096000" cy="400110"/>
-          </a:xfrm>
-          <a:prstGeom prst="rect">
-            <a:avLst/>
-          </a:prstGeom>
-        </p:spPr>
-        <p:txBody>
-          <a:bodyPr>
-            <a:spAutoFit/>
-          </a:bodyPr>
-          <a:lstStyle/>
-          <a:p>
-            <a:pPr algn="r">
-              <a:spcBef>
-                <a:spcPct val="0"/>
-              </a:spcBef>
-            </a:pPr>
-            <a:r>
-              <a:rPr lang="uk-UA" altLang="ru-RU" sz="2000" dirty="0">
-                <a:latin typeface="Times New Roman" panose="02020603050405020304" pitchFamily="18" charset="0"/>
-                <a:cs typeface="Times New Roman" panose="02020603050405020304" pitchFamily="18" charset="0"/>
-              </a:rPr>
-              <a:t> </a:t>
-            </a:r>
-            <a:endParaRPr lang="ru-RU" altLang="ru-RU" sz="2000" dirty="0">
-              <a:latin typeface="Times New Roman" panose="02020603050405020304" pitchFamily="18" charset="0"/>
-              <a:cs typeface="Times New Roman" panose="02020603050405020304" pitchFamily="18" charset="0"/>
-            </a:endParaRPr>
-          </a:p>
-        </p:txBody>
-      </p:sp>
-      <p:sp>
-        <p:nvSpPr>
-          <p:cNvPr id="3" name="Прямоугольник 2"/>
-          <p:cNvSpPr/>
-          <p:nvPr/>
-        </p:nvSpPr>
-        <p:spPr>
-          <a:xfrm>
-            <a:off x="702644" y="1169076"/>
-            <a:ext cx="11020926" cy="707886"/>
-          </a:xfrm>
-          <a:prstGeom prst="rect">
-            <a:avLst/>
-          </a:prstGeom>
-        </p:spPr>
-        <p:txBody>
-          <a:bodyPr wrap="square">
-            <a:spAutoFit/>
-          </a:bodyPr>
-          <a:lstStyle/>
-          <a:p>
-            <a:pPr algn="just"/>
-            <a:r>
-              <a:rPr lang="en-US" sz="2000" dirty="0">
-                <a:latin typeface="Times New Roman" panose="02020603050405020304" pitchFamily="18" charset="0"/>
-                <a:ea typeface="Calibri" panose="020F0502020204030204" pitchFamily="34" charset="0"/>
-                <a:cs typeface="Times New Roman" panose="02020603050405020304" pitchFamily="18" charset="0"/>
-              </a:rPr>
-              <a:t>	</a:t>
-            </a:r>
-            <a:r>
-              <a:rPr lang="ru-RU" sz="2000" dirty="0" smtClean="0">
-                <a:latin typeface="Times New Roman" panose="02020603050405020304" pitchFamily="18" charset="0"/>
-                <a:ea typeface="Calibri" panose="020F0502020204030204" pitchFamily="34" charset="0"/>
-                <a:cs typeface="Times New Roman" panose="02020603050405020304" pitchFamily="18" charset="0"/>
-              </a:rPr>
-              <a:t>Поскольку </a:t>
-            </a:r>
-            <a:r>
-              <a:rPr lang="ru-RU" sz="2000" dirty="0">
-                <a:latin typeface="Times New Roman" panose="02020603050405020304" pitchFamily="18" charset="0"/>
-                <a:ea typeface="Calibri" panose="020F0502020204030204" pitchFamily="34" charset="0"/>
-                <a:cs typeface="Times New Roman" panose="02020603050405020304" pitchFamily="18" charset="0"/>
-              </a:rPr>
-              <a:t>генетические алгоритмы являются универсальными, то можно проверить сходимость разработанного алгоритма на решении некоторых тестовых задач. </a:t>
-            </a:r>
-            <a:endParaRPr lang="ru-RU" sz="2000" dirty="0">
-              <a:latin typeface="Times New Roman" panose="02020603050405020304" pitchFamily="18" charset="0"/>
-              <a:cs typeface="Times New Roman" panose="02020603050405020304" pitchFamily="18" charset="0"/>
-            </a:endParaRPr>
-          </a:p>
-        </p:txBody>
-      </p:sp>
-      <p:sp>
-        <p:nvSpPr>
-          <p:cNvPr id="4" name="Прямоугольник 3"/>
-          <p:cNvSpPr/>
-          <p:nvPr/>
-        </p:nvSpPr>
-        <p:spPr>
-          <a:xfrm>
-            <a:off x="2639302" y="5806531"/>
-            <a:ext cx="6284914" cy="707886"/>
-          </a:xfrm>
-          <a:prstGeom prst="rect">
-            <a:avLst/>
-          </a:prstGeom>
-        </p:spPr>
-        <p:txBody>
-          <a:bodyPr wrap="square">
-            <a:spAutoFit/>
-          </a:bodyPr>
-          <a:lstStyle/>
-          <a:p>
-            <a:pPr algn="ctr"/>
-            <a:r>
-              <a:rPr lang="ru-RU" sz="2000" dirty="0" smtClean="0">
-                <a:latin typeface="Times New Roman" panose="02020603050405020304" pitchFamily="18" charset="0"/>
-                <a:ea typeface="Calibri" panose="020F0502020204030204" pitchFamily="34" charset="0"/>
-                <a:cs typeface="Times New Roman" panose="02020603050405020304" pitchFamily="18" charset="0"/>
-              </a:rPr>
-              <a:t>Проверка </a:t>
-            </a:r>
-            <a:r>
-              <a:rPr lang="ru-RU" sz="2000" dirty="0">
-                <a:latin typeface="Times New Roman" panose="02020603050405020304" pitchFamily="18" charset="0"/>
-                <a:ea typeface="Calibri" panose="020F0502020204030204" pitchFamily="34" charset="0"/>
-                <a:cs typeface="Times New Roman" panose="02020603050405020304" pitchFamily="18" charset="0"/>
-              </a:rPr>
-              <a:t>сходимости разработанного алгоритма путём нахождения корней для </a:t>
-            </a:r>
-            <a:r>
-              <a:rPr lang="ru-RU" sz="2000" dirty="0" err="1">
-                <a:latin typeface="Times New Roman" panose="02020603050405020304" pitchFamily="18" charset="0"/>
-                <a:ea typeface="Calibri" panose="020F0502020204030204" pitchFamily="34" charset="0"/>
-                <a:cs typeface="Times New Roman" panose="02020603050405020304" pitchFamily="18" charset="0"/>
-              </a:rPr>
-              <a:t>Диофантовых</a:t>
-            </a:r>
-            <a:r>
-              <a:rPr lang="ru-RU" sz="2000" dirty="0">
-                <a:latin typeface="Times New Roman" panose="02020603050405020304" pitchFamily="18" charset="0"/>
-                <a:ea typeface="Calibri" panose="020F0502020204030204" pitchFamily="34" charset="0"/>
-                <a:cs typeface="Times New Roman" panose="02020603050405020304" pitchFamily="18" charset="0"/>
-              </a:rPr>
-              <a:t> уравнений.</a:t>
-            </a:r>
-            <a:endParaRPr lang="ru-RU" sz="2000" dirty="0">
-              <a:latin typeface="Times New Roman" panose="02020603050405020304" pitchFamily="18" charset="0"/>
-              <a:cs typeface="Times New Roman" panose="02020603050405020304" pitchFamily="18" charset="0"/>
-            </a:endParaRPr>
-          </a:p>
-        </p:txBody>
-      </p:sp>
-      <p:pic>
-        <p:nvPicPr>
-          <p:cNvPr id="7" name="Рисунок 6"/>
-          <p:cNvPicPr/>
-          <p:nvPr/>
-        </p:nvPicPr>
-        <p:blipFill>
-          <a:blip r:embed="rId2">
-            <a:extLst>
-              <a:ext uri="{28A0092B-C50C-407E-A947-70E740481C1C}">
-                <a14:useLocalDpi xmlns:a14="http://schemas.microsoft.com/office/drawing/2010/main" val="0"/>
-              </a:ext>
-            </a:extLst>
-          </a:blip>
-          <a:srcRect/>
-          <a:stretch>
-            <a:fillRect/>
-          </a:stretch>
-        </p:blipFill>
-        <p:spPr bwMode="auto">
-          <a:xfrm>
-            <a:off x="2961566" y="2042893"/>
-            <a:ext cx="5640386" cy="3576130"/>
-          </a:xfrm>
-          <a:prstGeom prst="rect">
-            <a:avLst/>
-          </a:prstGeom>
-          <a:noFill/>
-          <a:ln>
-            <a:noFill/>
-          </a:ln>
-        </p:spPr>
-      </p:pic>
-    </p:spTree>
-    <p:extLst>
-      <p:ext uri="{BB962C8B-B14F-4D97-AF65-F5344CB8AC3E}">
-        <p14:creationId xmlns:p14="http://schemas.microsoft.com/office/powerpoint/2010/main" val="176295320"/>
       </p:ext>
     </p:extLst>
   </p:cSld>
